--- a/10 Basic Inferential Statistics/10_basic_inferential_statistics.pptx
+++ b/10 Basic Inferential Statistics/10_basic_inferential_statistics.pptx
@@ -5703,8 +5703,8 @@
         </p:nvSpPr>
         <p:spPr>
           <a:xfrm>
-            <a:off x="685800" y="1066800"/>
-            <a:ext cx="8382000" cy="5791200"/>
+            <a:off x="381000" y="1066800"/>
+            <a:ext cx="8686800" cy="5791200"/>
           </a:xfrm>
           <a:prstGeom prst="rect">
             <a:avLst/>
@@ -5712,7 +5712,7 @@
         </p:spPr>
         <p:txBody>
           <a:bodyPr>
-            <a:normAutofit fontScale="70000" lnSpcReduction="20000"/>
+            <a:normAutofit fontScale="62500" lnSpcReduction="20000"/>
           </a:bodyPr>
           <a:lstStyle>
             <a:lvl1pPr marL="365760" indent="-283464" algn="l" eaLnBrk="1" latinLnBrk="0" hangingPunct="1">
@@ -5909,6 +5909,37 @@
               <a:rPr lang="en" sz="3200" dirty="0">
                 <a:latin typeface="Avenir Medium"/>
               </a:rPr>
+              <a:t>infer: a package for tidy statistical inference</a:t>
+            </a:r>
+          </a:p>
+          <a:p>
+            <a:pPr marL="82296" indent="0">
+              <a:lnSpc>
+                <a:spcPct val="110000"/>
+              </a:lnSpc>
+              <a:buNone/>
+            </a:pPr>
+            <a:r>
+              <a:rPr lang="ro-RO" sz="3200" dirty="0">
+                <a:latin typeface="Avenir Medium"/>
+                <a:hlinkClick r:id="rId3"/>
+              </a:rPr>
+              <a:t>https://www.rstudio.com/resources/videos/infer-a-package-for-tidy-statistical-inference/</a:t>
+            </a:r>
+            <a:endParaRPr lang="en" sz="3200" dirty="0">
+              <a:latin typeface="Avenir Medium"/>
+            </a:endParaRPr>
+          </a:p>
+          <a:p>
+            <a:pPr>
+              <a:lnSpc>
+                <a:spcPct val="110000"/>
+              </a:lnSpc>
+            </a:pPr>
+            <a:r>
+              <a:rPr lang="en" sz="3200" dirty="0">
+                <a:latin typeface="Avenir Medium"/>
+              </a:rPr>
               <a:t>How to test any hypothesis with the infer package (</a:t>
             </a:r>
             <a:r>
@@ -5934,7 +5965,7 @@
             <a:r>
               <a:rPr lang="en-US" sz="3200" dirty="0">
                 <a:latin typeface="Avenir Medium"/>
-                <a:hlinkClick r:id="rId3"/>
+                <a:hlinkClick r:id="rId4"/>
               </a:rPr>
               <a:t>https://www.andrewheiss.com/blog/2018/12/05/test-any-hypothesis/</a:t>
             </a:r>
@@ -5983,7 +6014,7 @@
             <a:r>
               <a:rPr lang="en-US" sz="3200" dirty="0">
                 <a:latin typeface="Avenir Medium"/>
-                <a:hlinkClick r:id="rId4"/>
+                <a:hlinkClick r:id="rId5"/>
               </a:rPr>
               <a:t>https://cran.r-project.org/web/packages/GroupComparisons/GroupComparisons.pdf</a:t>
             </a:r>
@@ -6014,7 +6045,7 @@
             <a:r>
               <a:rPr lang="en-US" sz="3200" dirty="0">
                 <a:latin typeface="Avenir Medium"/>
-                <a:hlinkClick r:id="rId5"/>
+                <a:hlinkClick r:id="rId6"/>
               </a:rPr>
               <a:t>https://cran.r-project.org/web/packages/survey/index.html</a:t>
             </a:r>
@@ -6063,7 +6094,7 @@
             <a:r>
               <a:rPr lang="en-US" sz="3200" dirty="0">
                 <a:latin typeface="Avenir Medium"/>
-                <a:hlinkClick r:id="rId6"/>
+                <a:hlinkClick r:id="rId7"/>
               </a:rPr>
               <a:t>https://www.andrew.cmu.edu/user/jsmurray/teaching/303/files/lab.html</a:t>
             </a:r>

--- a/10 Basic Inferential Statistics/10_basic_inferential_statistics.pptx
+++ b/10 Basic Inferential Statistics/10_basic_inferential_statistics.pptx
@@ -8,7 +8,8 @@
     <p:sldId id="256" r:id="rId2"/>
     <p:sldId id="476" r:id="rId3"/>
     <p:sldId id="473" r:id="rId4"/>
-    <p:sldId id="477" r:id="rId5"/>
+    <p:sldId id="478" r:id="rId5"/>
+    <p:sldId id="477" r:id="rId6"/>
   </p:sldIdLst>
   <p:sldSz cx="9144000" cy="6858000" type="screen4x3"/>
   <p:notesSz cx="6858000" cy="9144000"/>
@@ -5268,7 +5269,7 @@
                 <a:ea typeface="Arial Unicode MS" panose="020B0604020202020204" pitchFamily="34" charset="-128"/>
                 <a:cs typeface="Arial Unicode MS" panose="020B0604020202020204" pitchFamily="34" charset="-128"/>
               </a:rPr>
-              <a:t>Some references on inferential statistics</a:t>
+              <a:t>Basic references on inferential statistics</a:t>
             </a:r>
             <a:endParaRPr lang="en-US" sz="3600" b="1" dirty="0">
               <a:latin typeface="Arial Unicode MS" panose="020B0604020202020204" pitchFamily="34" charset="-128"/>
@@ -5297,7 +5298,7 @@
         </p:spPr>
         <p:txBody>
           <a:bodyPr>
-            <a:normAutofit fontScale="85000" lnSpcReduction="20000"/>
+            <a:normAutofit/>
           </a:bodyPr>
           <a:lstStyle>
             <a:lvl1pPr marL="365760" indent="-283464" algn="l" eaLnBrk="1" latinLnBrk="0" hangingPunct="1">
@@ -5455,16 +5456,10 @@
               </a:lnSpc>
             </a:pPr>
             <a:r>
-              <a:rPr lang="en" sz="3200" dirty="0">
-                <a:latin typeface="Avenir Medium"/>
-              </a:rPr>
-              <a:t>Inferential Statistics for Data Science (</a:t>
-            </a:r>
-            <a:r>
               <a:rPr lang="ro-RO" sz="3200" dirty="0" err="1">
                 <a:latin typeface="Avenir Medium"/>
               </a:rPr>
-              <a:t>Ankit</a:t>
+              <a:t>Statistics</a:t>
             </a:r>
             <a:r>
               <a:rPr lang="ro-RO" sz="3200" dirty="0">
@@ -5476,14 +5471,47 @@
               <a:rPr lang="ro-RO" sz="3200" dirty="0" err="1">
                 <a:latin typeface="Avenir Medium"/>
               </a:rPr>
-              <a:t>Rathi</a:t>
-            </a:r>
-            <a:r>
-              <a:rPr lang="en" sz="3200" dirty="0">
+              <a:t>How</a:t>
+            </a:r>
+            <a:r>
+              <a:rPr lang="ro-RO" sz="3200" dirty="0">
                 <a:latin typeface="Avenir Medium"/>
               </a:rPr>
-              <a:t>)</a:t>
-            </a:r>
+              <a:t> </a:t>
+            </a:r>
+            <a:r>
+              <a:rPr lang="ro-RO" sz="3200" dirty="0" err="1">
+                <a:latin typeface="Avenir Medium"/>
+              </a:rPr>
+              <a:t>To</a:t>
+            </a:r>
+            <a:r>
+              <a:rPr lang="ro-RO" sz="3200" dirty="0">
+                <a:latin typeface="Avenir Medium"/>
+              </a:rPr>
+              <a:t> </a:t>
+            </a:r>
+            <a:r>
+              <a:rPr lang="ro-RO" sz="3200" dirty="0" err="1">
+                <a:latin typeface="Avenir Medium"/>
+              </a:rPr>
+              <a:t>Hypothesis</a:t>
+            </a:r>
+            <a:r>
+              <a:rPr lang="ro-RO" sz="3200" dirty="0">
+                <a:latin typeface="Avenir Medium"/>
+              </a:rPr>
+              <a:t> </a:t>
+            </a:r>
+            <a:r>
+              <a:rPr lang="ro-RO" sz="3200" dirty="0" err="1">
+                <a:latin typeface="Avenir Medium"/>
+              </a:rPr>
+              <a:t>Testing</a:t>
+            </a:r>
+            <a:endParaRPr lang="en" sz="3200" dirty="0">
+              <a:latin typeface="Avenir Medium"/>
+            </a:endParaRPr>
           </a:p>
           <a:p>
             <a:pPr marL="82296" indent="0">
@@ -5497,7 +5525,7 @@
                 <a:latin typeface="Avenir Medium"/>
                 <a:hlinkClick r:id="rId2"/>
               </a:rPr>
-              <a:t>https://towardsdatascience.com/inferential-statistics-for-data-science-b0075670fc8a</a:t>
+              <a:t>https://www.statisticshowto.datasciencecentral.com/probability-and-statistics/hypothesis-testing/</a:t>
             </a:r>
             <a:endParaRPr lang="en-US" sz="3200" dirty="0">
               <a:latin typeface="Avenir Medium"/>
@@ -5521,35 +5549,44 @@
               </a:lnSpc>
             </a:pPr>
             <a:r>
-              <a:rPr lang="en" sz="3200" dirty="0">
+              <a:rPr lang="ro-RO" sz="3200" dirty="0" err="1">
                 <a:latin typeface="Avenir Medium"/>
               </a:rPr>
-              <a:t>Chester </a:t>
-            </a:r>
-            <a:r>
-              <a:rPr lang="en" sz="3200" dirty="0" err="1">
+              <a:t>Understanding</a:t>
+            </a:r>
+            <a:r>
+              <a:rPr lang="ro-RO" sz="3200" dirty="0">
                 <a:latin typeface="Avenir Medium"/>
               </a:rPr>
-              <a:t>Ismay</a:t>
-            </a:r>
-            <a:r>
-              <a:rPr lang="en" sz="3200" dirty="0">
+              <a:t> </a:t>
+            </a:r>
+            <a:r>
+              <a:rPr lang="ro-RO" sz="3200" dirty="0" err="1">
                 <a:latin typeface="Avenir Medium"/>
               </a:rPr>
-              <a:t> and Albert Y. Kim - An Introduction to Statistical and Data Sciences via R (2018)</a:t>
-            </a:r>
-            <a:r>
-              <a:rPr lang="en-US" sz="3200" dirty="0">
+              <a:t>Hypothesis</a:t>
+            </a:r>
+            <a:r>
+              <a:rPr lang="ro-RO" sz="3200" dirty="0">
                 <a:latin typeface="Avenir Medium"/>
               </a:rPr>
-              <a:t> – section </a:t>
-            </a:r>
-            <a:r>
-              <a:rPr lang="en-US" sz="3200" i="1" dirty="0">
+              <a:t> </a:t>
+            </a:r>
+            <a:r>
+              <a:rPr lang="ro-RO" sz="3200" dirty="0" err="1">
                 <a:latin typeface="Avenir Medium"/>
               </a:rPr>
-              <a:t>III Inference via infer</a:t>
-            </a:r>
+              <a:t>Testing</a:t>
+            </a:r>
+            <a:r>
+              <a:rPr lang="ro-RO" sz="3200" dirty="0">
+                <a:latin typeface="Avenir Medium"/>
+              </a:rPr>
+              <a:t> (BOBBY LINDSEY)</a:t>
+            </a:r>
+            <a:endParaRPr lang="en-US" sz="3200" i="1" dirty="0">
+              <a:latin typeface="Avenir Medium"/>
+            </a:endParaRPr>
           </a:p>
           <a:p>
             <a:pPr marL="82296" indent="0">
@@ -5564,7 +5601,7 @@
                 <a:cs typeface="Avenir Medium"/>
                 <a:hlinkClick r:id="rId3"/>
               </a:rPr>
-              <a:t>https://moderndive.com/8-sampling.html</a:t>
+              <a:t>https://bobbywlindsey.com/data-science/2019/02/19/hypothesis-testing/</a:t>
             </a:r>
             <a:endParaRPr lang="en-US" sz="3200" dirty="0">
               <a:latin typeface="Avenir Medium"/>
@@ -5574,35 +5611,11 @@
           <a:p>
             <a:pPr marL="82296" indent="0">
               <a:lnSpc>
-                <a:spcPct val="120000"/>
+                <a:spcPct val="110000"/>
               </a:lnSpc>
               <a:buNone/>
             </a:pPr>
-            <a:endParaRPr lang="en-US" dirty="0">
-              <a:latin typeface="Avenir Medium"/>
-            </a:endParaRPr>
-          </a:p>
-          <a:p>
-            <a:pPr>
-              <a:lnSpc>
-                <a:spcPct val="120000"/>
-              </a:lnSpc>
-            </a:pPr>
-            <a:r>
-              <a:rPr lang="en-US" dirty="0">
-                <a:latin typeface="Avenir Medium"/>
-              </a:rPr>
-              <a:t>Introduction to statistical thinking </a:t>
-            </a:r>
-            <a:r>
-              <a:rPr lang="en-US" dirty="0">
-                <a:latin typeface="Avenir Medium"/>
-                <a:cs typeface="Avenir Medium"/>
-                <a:hlinkClick r:id="rId4"/>
-              </a:rPr>
-              <a:t>https://francojc.github.io/2017/09/15/introduction-to-statistical-thinking/</a:t>
-            </a:r>
-            <a:endParaRPr lang="en-US" dirty="0">
+            <a:endParaRPr lang="en-US" sz="3200" dirty="0">
               <a:latin typeface="Avenir Medium"/>
               <a:cs typeface="Avenir Medium"/>
             </a:endParaRPr>
@@ -5672,7 +5685,7 @@
         </p:spPr>
         <p:txBody>
           <a:bodyPr anchor="ctr">
-            <a:normAutofit fontScale="90000"/>
+            <a:normAutofit/>
           </a:bodyPr>
           <a:lstStyle/>
           <a:p>
@@ -5683,7 +5696,422 @@
                 <a:ea typeface="Arial Unicode MS" panose="020B0604020202020204" pitchFamily="34" charset="-128"/>
                 <a:cs typeface="Arial Unicode MS" panose="020B0604020202020204" pitchFamily="34" charset="-128"/>
               </a:rPr>
-              <a:t>Some references on inferential statistics in R</a:t>
+              <a:t>Other references on inferential statistics</a:t>
+            </a:r>
+            <a:endParaRPr lang="en-US" sz="3600" b="1" dirty="0">
+              <a:latin typeface="Arial Unicode MS" panose="020B0604020202020204" pitchFamily="34" charset="-128"/>
+              <a:ea typeface="Arial Unicode MS" panose="020B0604020202020204" pitchFamily="34" charset="-128"/>
+              <a:cs typeface="Arial Unicode MS" panose="020B0604020202020204" pitchFamily="34" charset="-128"/>
+            </a:endParaRPr>
+          </a:p>
+        </p:txBody>
+      </p:sp>
+      <p:sp>
+        <p:nvSpPr>
+          <p:cNvPr id="7" name="Text Placeholder 2"/>
+          <p:cNvSpPr txBox="1">
+            <a:spLocks/>
+          </p:cNvSpPr>
+          <p:nvPr/>
+        </p:nvSpPr>
+        <p:spPr>
+          <a:xfrm>
+            <a:off x="685800" y="990600"/>
+            <a:ext cx="8382000" cy="5867400"/>
+          </a:xfrm>
+          <a:prstGeom prst="rect">
+            <a:avLst/>
+          </a:prstGeom>
+        </p:spPr>
+        <p:txBody>
+          <a:bodyPr>
+            <a:normAutofit fontScale="85000" lnSpcReduction="20000"/>
+          </a:bodyPr>
+          <a:lstStyle>
+            <a:lvl1pPr marL="365760" indent="-283464" algn="l" eaLnBrk="1" latinLnBrk="0" hangingPunct="1">
+              <a:lnSpc>
+                <a:spcPct val="100000"/>
+              </a:lnSpc>
+              <a:spcBef>
+                <a:spcPts val="600"/>
+              </a:spcBef>
+              <a:buClr>
+                <a:schemeClr val="accent1"/>
+              </a:buClr>
+              <a:buSzPct val="80000"/>
+              <a:buFont typeface="Wingdings 2"/>
+              <a:buChar char=""/>
+              <a:defRPr kumimoji="0" sz="3000">
+                <a:latin typeface="+mn-lt"/>
+              </a:defRPr>
+            </a:lvl1pPr>
+            <a:lvl2pPr marL="640080" lvl="1" indent="-237744" algn="l" eaLnBrk="1" latinLnBrk="0" hangingPunct="1">
+              <a:lnSpc>
+                <a:spcPct val="100000"/>
+              </a:lnSpc>
+              <a:spcBef>
+                <a:spcPts val="550"/>
+              </a:spcBef>
+              <a:buClr>
+                <a:schemeClr val="accent1"/>
+              </a:buClr>
+              <a:buFont typeface="Verdana"/>
+              <a:buChar char="◦"/>
+              <a:defRPr kumimoji="0" sz="2600">
+                <a:latin typeface="+mn-lt"/>
+              </a:defRPr>
+            </a:lvl2pPr>
+            <a:lvl3pPr marL="886968" indent="-228600" algn="l" eaLnBrk="1" latinLnBrk="0" hangingPunct="1">
+              <a:lnSpc>
+                <a:spcPct val="100000"/>
+              </a:lnSpc>
+              <a:buClr>
+                <a:schemeClr val="accent2"/>
+              </a:buClr>
+              <a:buFont typeface="Wingdings 2"/>
+              <a:buChar char=""/>
+              <a:defRPr kumimoji="0" sz="2400">
+                <a:latin typeface="+mn-lt"/>
+              </a:defRPr>
+            </a:lvl3pPr>
+            <a:lvl4pPr marL="1097280" indent="-173736" algn="l" eaLnBrk="1" latinLnBrk="0" hangingPunct="1">
+              <a:lnSpc>
+                <a:spcPct val="100000"/>
+              </a:lnSpc>
+              <a:buClr>
+                <a:schemeClr val="accent3"/>
+              </a:buClr>
+              <a:buFont typeface="Wingdings 2"/>
+              <a:buChar char=""/>
+              <a:defRPr kumimoji="0" sz="2000">
+                <a:latin typeface="+mn-lt"/>
+              </a:defRPr>
+            </a:lvl4pPr>
+            <a:lvl5pPr marL="1298448" indent="-182880" algn="l" eaLnBrk="1" latinLnBrk="0" hangingPunct="1">
+              <a:lnSpc>
+                <a:spcPct val="100000"/>
+              </a:lnSpc>
+              <a:buClr>
+                <a:schemeClr val="accent4"/>
+              </a:buClr>
+              <a:buFont typeface="Wingdings 2"/>
+              <a:buChar char=""/>
+              <a:defRPr kumimoji="0" sz="2000">
+                <a:latin typeface="+mn-lt"/>
+              </a:defRPr>
+            </a:lvl5pPr>
+            <a:lvl6pPr marL="1508760" indent="-182880">
+              <a:lnSpc>
+                <a:spcPct val="100000"/>
+              </a:lnSpc>
+              <a:spcBef>
+                <a:spcPct val="20000"/>
+              </a:spcBef>
+              <a:buClr>
+                <a:schemeClr val="accent5"/>
+              </a:buClr>
+              <a:buFont typeface="Wingdings 2"/>
+              <a:buChar char=""/>
+              <a:defRPr kumimoji="0" sz="2000">
+                <a:latin typeface="+mn-lt"/>
+              </a:defRPr>
+            </a:lvl6pPr>
+            <a:lvl7pPr marL="1719072" indent="-182880">
+              <a:lnSpc>
+                <a:spcPct val="100000"/>
+              </a:lnSpc>
+              <a:spcBef>
+                <a:spcPct val="20000"/>
+              </a:spcBef>
+              <a:buClr>
+                <a:schemeClr val="accent6"/>
+              </a:buClr>
+              <a:buFont typeface="Wingdings 2"/>
+              <a:buChar char=""/>
+              <a:defRPr kumimoji="0" sz="2000">
+                <a:latin typeface="+mn-lt"/>
+              </a:defRPr>
+            </a:lvl7pPr>
+            <a:lvl8pPr marL="1920240" indent="-182880">
+              <a:lnSpc>
+                <a:spcPct val="100000"/>
+              </a:lnSpc>
+              <a:spcBef>
+                <a:spcPct val="20000"/>
+              </a:spcBef>
+              <a:buClr>
+                <a:schemeClr val="accent6"/>
+              </a:buClr>
+              <a:buFont typeface="Wingdings 2"/>
+              <a:buChar char=""/>
+              <a:defRPr kumimoji="0" sz="2000">
+                <a:latin typeface="+mn-lt"/>
+              </a:defRPr>
+            </a:lvl8pPr>
+            <a:lvl9pPr marL="2130552" indent="-182880">
+              <a:lnSpc>
+                <a:spcPct val="100000"/>
+              </a:lnSpc>
+              <a:spcBef>
+                <a:spcPct val="20000"/>
+              </a:spcBef>
+              <a:buClr>
+                <a:schemeClr val="accent6"/>
+              </a:buClr>
+              <a:buFont typeface="Wingdings 2"/>
+              <a:buChar char=""/>
+              <a:defRPr kumimoji="0" sz="2000">
+                <a:latin typeface="+mn-lt"/>
+              </a:defRPr>
+            </a:lvl9pPr>
+            <a:extLst/>
+          </a:lstStyle>
+          <a:p>
+            <a:pPr>
+              <a:lnSpc>
+                <a:spcPct val="110000"/>
+              </a:lnSpc>
+            </a:pPr>
+            <a:endParaRPr lang="en" sz="3200" dirty="0">
+              <a:latin typeface="Avenir Medium"/>
+            </a:endParaRPr>
+          </a:p>
+          <a:p>
+            <a:pPr>
+              <a:lnSpc>
+                <a:spcPct val="110000"/>
+              </a:lnSpc>
+            </a:pPr>
+            <a:r>
+              <a:rPr lang="en" sz="3200" dirty="0">
+                <a:latin typeface="Avenir Medium"/>
+              </a:rPr>
+              <a:t>Inferential Statistics for Data Science (</a:t>
+            </a:r>
+            <a:r>
+              <a:rPr lang="ro-RO" sz="3200" dirty="0" err="1">
+                <a:latin typeface="Avenir Medium"/>
+              </a:rPr>
+              <a:t>Ankit</a:t>
+            </a:r>
+            <a:r>
+              <a:rPr lang="ro-RO" sz="3200" dirty="0">
+                <a:latin typeface="Avenir Medium"/>
+              </a:rPr>
+              <a:t> </a:t>
+            </a:r>
+            <a:r>
+              <a:rPr lang="ro-RO" sz="3200" dirty="0" err="1">
+                <a:latin typeface="Avenir Medium"/>
+              </a:rPr>
+              <a:t>Rathi</a:t>
+            </a:r>
+            <a:r>
+              <a:rPr lang="en" sz="3200" dirty="0">
+                <a:latin typeface="Avenir Medium"/>
+              </a:rPr>
+              <a:t>)</a:t>
+            </a:r>
+          </a:p>
+          <a:p>
+            <a:pPr marL="82296" indent="0">
+              <a:lnSpc>
+                <a:spcPct val="110000"/>
+              </a:lnSpc>
+              <a:buNone/>
+            </a:pPr>
+            <a:r>
+              <a:rPr lang="en-US" sz="3200" dirty="0">
+                <a:latin typeface="Avenir Medium"/>
+                <a:hlinkClick r:id="rId2"/>
+              </a:rPr>
+              <a:t>https://towardsdatascience.com/inferential-statistics-for-data-science-b0075670fc8a</a:t>
+            </a:r>
+            <a:endParaRPr lang="en-US" sz="3200" dirty="0">
+              <a:latin typeface="Avenir Medium"/>
+            </a:endParaRPr>
+          </a:p>
+          <a:p>
+            <a:pPr marL="82296" indent="0">
+              <a:lnSpc>
+                <a:spcPct val="110000"/>
+              </a:lnSpc>
+              <a:buNone/>
+            </a:pPr>
+            <a:endParaRPr lang="en" sz="3200" dirty="0">
+              <a:latin typeface="Avenir Medium"/>
+            </a:endParaRPr>
+          </a:p>
+          <a:p>
+            <a:pPr>
+              <a:lnSpc>
+                <a:spcPct val="110000"/>
+              </a:lnSpc>
+            </a:pPr>
+            <a:r>
+              <a:rPr lang="en" sz="3200" dirty="0">
+                <a:latin typeface="Avenir Medium"/>
+              </a:rPr>
+              <a:t>Chester </a:t>
+            </a:r>
+            <a:r>
+              <a:rPr lang="en" sz="3200" dirty="0" err="1">
+                <a:latin typeface="Avenir Medium"/>
+              </a:rPr>
+              <a:t>Ismay</a:t>
+            </a:r>
+            <a:r>
+              <a:rPr lang="en" sz="3200" dirty="0">
+                <a:latin typeface="Avenir Medium"/>
+              </a:rPr>
+              <a:t> and Albert Y. Kim - An Introduction to Statistical and Data Sciences via R (2018)</a:t>
+            </a:r>
+            <a:r>
+              <a:rPr lang="en-US" sz="3200" dirty="0">
+                <a:latin typeface="Avenir Medium"/>
+              </a:rPr>
+              <a:t> – section </a:t>
+            </a:r>
+            <a:r>
+              <a:rPr lang="en-US" sz="3200" i="1" dirty="0">
+                <a:latin typeface="Avenir Medium"/>
+              </a:rPr>
+              <a:t>III Inference via infer</a:t>
+            </a:r>
+          </a:p>
+          <a:p>
+            <a:pPr marL="82296" indent="0">
+              <a:lnSpc>
+                <a:spcPct val="110000"/>
+              </a:lnSpc>
+              <a:buNone/>
+            </a:pPr>
+            <a:r>
+              <a:rPr lang="en-US" sz="3200" dirty="0">
+                <a:latin typeface="Avenir Medium"/>
+                <a:cs typeface="Avenir Medium"/>
+                <a:hlinkClick r:id="rId3"/>
+              </a:rPr>
+              <a:t>https://moderndive.com/8-sampling.html</a:t>
+            </a:r>
+            <a:endParaRPr lang="en-US" sz="3200" dirty="0">
+              <a:latin typeface="Avenir Medium"/>
+              <a:cs typeface="Avenir Medium"/>
+            </a:endParaRPr>
+          </a:p>
+          <a:p>
+            <a:pPr marL="82296" indent="0">
+              <a:lnSpc>
+                <a:spcPct val="120000"/>
+              </a:lnSpc>
+              <a:buNone/>
+            </a:pPr>
+            <a:endParaRPr lang="en-US" dirty="0">
+              <a:latin typeface="Avenir Medium"/>
+            </a:endParaRPr>
+          </a:p>
+          <a:p>
+            <a:pPr>
+              <a:lnSpc>
+                <a:spcPct val="120000"/>
+              </a:lnSpc>
+            </a:pPr>
+            <a:r>
+              <a:rPr lang="en-US" dirty="0">
+                <a:latin typeface="Avenir Medium"/>
+              </a:rPr>
+              <a:t>Introduction to statistical thinking </a:t>
+            </a:r>
+            <a:r>
+              <a:rPr lang="en-US" dirty="0">
+                <a:latin typeface="Avenir Medium"/>
+                <a:cs typeface="Avenir Medium"/>
+                <a:hlinkClick r:id="rId4"/>
+              </a:rPr>
+              <a:t>https://francojc.github.io/2017/09/15/introduction-to-statistical-thinking/</a:t>
+            </a:r>
+            <a:endParaRPr lang="en-US" dirty="0">
+              <a:latin typeface="Avenir Medium"/>
+              <a:cs typeface="Avenir Medium"/>
+            </a:endParaRPr>
+          </a:p>
+          <a:p>
+            <a:pPr marL="82296" indent="0">
+              <a:lnSpc>
+                <a:spcPct val="120000"/>
+              </a:lnSpc>
+              <a:buNone/>
+            </a:pPr>
+            <a:endParaRPr lang="en-US" dirty="0">
+              <a:latin typeface="Avenir Medium"/>
+              <a:cs typeface="Avenir Medium"/>
+            </a:endParaRPr>
+          </a:p>
+        </p:txBody>
+      </p:sp>
+    </p:spTree>
+    <p:extLst>
+      <p:ext uri="{BB962C8B-B14F-4D97-AF65-F5344CB8AC3E}">
+        <p14:creationId xmlns:p14="http://schemas.microsoft.com/office/powerpoint/2010/main" val="2416480226"/>
+      </p:ext>
+    </p:extLst>
+  </p:cSld>
+  <p:clrMapOvr>
+    <a:masterClrMapping/>
+  </p:clrMapOvr>
+  <p:transition>
+    <p:random/>
+  </p:transition>
+</p:sld>
+</file>
+
+<file path=ppt/slides/slide5.xml><?xml version="1.0" encoding="utf-8"?>
+<p:sld xmlns:a="http://schemas.openxmlformats.org/drawingml/2006/main" xmlns:r="http://schemas.openxmlformats.org/officeDocument/2006/relationships" xmlns:p="http://schemas.openxmlformats.org/presentationml/2006/main">
+  <p:cSld>
+    <p:spTree>
+      <p:nvGrpSpPr>
+        <p:cNvPr id="1" name=""/>
+        <p:cNvGrpSpPr/>
+        <p:nvPr/>
+      </p:nvGrpSpPr>
+      <p:grpSpPr>
+        <a:xfrm>
+          <a:off x="0" y="0"/>
+          <a:ext cx="0" cy="0"/>
+          <a:chOff x="0" y="0"/>
+          <a:chExt cx="0" cy="0"/>
+        </a:xfrm>
+      </p:grpSpPr>
+      <p:sp>
+        <p:nvSpPr>
+          <p:cNvPr id="2" name="Title 1"/>
+          <p:cNvSpPr>
+            <a:spLocks noGrp="1"/>
+          </p:cNvSpPr>
+          <p:nvPr>
+            <p:ph type="title"/>
+          </p:nvPr>
+        </p:nvSpPr>
+        <p:spPr>
+          <a:xfrm>
+            <a:off x="0" y="76200"/>
+            <a:ext cx="9144000" cy="1143000"/>
+          </a:xfrm>
+        </p:spPr>
+        <p:txBody>
+          <a:bodyPr anchor="ctr">
+            <a:normAutofit/>
+          </a:bodyPr>
+          <a:lstStyle/>
+          <a:p>
+            <a:pPr algn="ctr"/>
+            <a:r>
+              <a:rPr lang="en-US" dirty="0">
+                <a:latin typeface="Arial Unicode MS" panose="020B0604020202020204" pitchFamily="34" charset="-128"/>
+                <a:ea typeface="Arial Unicode MS" panose="020B0604020202020204" pitchFamily="34" charset="-128"/>
+                <a:cs typeface="Arial Unicode MS" panose="020B0604020202020204" pitchFamily="34" charset="-128"/>
+              </a:rPr>
+              <a:t>References on inferential statistics in R</a:t>
             </a:r>
             <a:endParaRPr lang="en-US" sz="3600" b="1" dirty="0">
               <a:latin typeface="Arial Unicode MS" panose="020B0604020202020204" pitchFamily="34" charset="-128"/>

--- a/10 Basic Inferential Statistics/10_basic_inferential_statistics.pptx
+++ b/10 Basic Inferential Statistics/10_basic_inferential_statistics.pptx
@@ -8,8 +8,9 @@
     <p:sldId id="256" r:id="rId2"/>
     <p:sldId id="476" r:id="rId3"/>
     <p:sldId id="473" r:id="rId4"/>
-    <p:sldId id="478" r:id="rId5"/>
-    <p:sldId id="477" r:id="rId6"/>
+    <p:sldId id="479" r:id="rId5"/>
+    <p:sldId id="478" r:id="rId6"/>
+    <p:sldId id="477" r:id="rId7"/>
   </p:sldIdLst>
   <p:sldSz cx="9144000" cy="6858000" type="screen4x3"/>
   <p:notesSz cx="6858000" cy="9144000"/>
@@ -5178,6 +5179,32 @@
               </a:rPr>
               <a:t>Inferential Statistics in R</a:t>
             </a:r>
+          </a:p>
+          <a:p>
+            <a:r>
+              <a:rPr lang="en" b="1" dirty="0">
+                <a:latin typeface="Avenir Book" charset="0"/>
+                <a:ea typeface="Avenir Book" charset="0"/>
+                <a:cs typeface="Avenir Book" charset="0"/>
+              </a:rPr>
+              <a:t>The silver bullet of statistical inference in R: the </a:t>
+            </a:r>
+            <a:r>
+              <a:rPr lang="en" b="1" i="1" dirty="0" err="1">
+                <a:latin typeface="Avenir Book" charset="0"/>
+                <a:ea typeface="Avenir Book" charset="0"/>
+                <a:cs typeface="Avenir Book" charset="0"/>
+              </a:rPr>
+              <a:t>ggstatsplot</a:t>
+            </a:r>
+            <a:r>
+              <a:rPr lang="en" b="1" dirty="0">
+                <a:latin typeface="Avenir Book" charset="0"/>
+                <a:ea typeface="Avenir Book" charset="0"/>
+                <a:cs typeface="Avenir Book" charset="0"/>
+              </a:rPr>
+              <a:t> package</a:t>
+            </a:r>
             <a:endParaRPr lang="en-US" b="1" dirty="0">
               <a:latin typeface="Avenir Book" charset="0"/>
               <a:ea typeface="Avenir Book" charset="0"/>
@@ -5269,7 +5296,7 @@
                 <a:ea typeface="Arial Unicode MS" panose="020B0604020202020204" pitchFamily="34" charset="-128"/>
                 <a:cs typeface="Arial Unicode MS" panose="020B0604020202020204" pitchFamily="34" charset="-128"/>
               </a:rPr>
-              <a:t>Basic references on inferential statistics</a:t>
+              <a:t>Starting references on inferential statistics</a:t>
             </a:r>
             <a:endParaRPr lang="en-US" sz="3600" b="1" dirty="0">
               <a:latin typeface="Arial Unicode MS" panose="020B0604020202020204" pitchFamily="34" charset="-128"/>
@@ -5289,8 +5316,8 @@
         </p:nvSpPr>
         <p:spPr>
           <a:xfrm>
-            <a:off x="685800" y="990600"/>
-            <a:ext cx="8382000" cy="5867400"/>
+            <a:off x="609600" y="990600"/>
+            <a:ext cx="8458200" cy="5867400"/>
           </a:xfrm>
           <a:prstGeom prst="rect">
             <a:avLst/>
@@ -5298,7 +5325,7 @@
         </p:spPr>
         <p:txBody>
           <a:bodyPr>
-            <a:normAutofit/>
+            <a:normAutofit fontScale="55000" lnSpcReduction="20000"/>
           </a:bodyPr>
           <a:lstStyle>
             <a:lvl1pPr marL="365760" indent="-283464" algn="l" eaLnBrk="1" latinLnBrk="0" hangingPunct="1">
@@ -5445,191 +5472,561 @@
                 <a:spcPct val="110000"/>
               </a:lnSpc>
             </a:pPr>
-            <a:endParaRPr lang="en" sz="3200" dirty="0">
+            <a:r>
+              <a:rPr lang="ro-RO" sz="2900" dirty="0">
+                <a:latin typeface="Avenir Medium"/>
+              </a:rPr>
+              <a:t>Danielle Navarro (2018). </a:t>
+            </a:r>
+            <a:r>
+              <a:rPr lang="ro-RO" sz="2900" dirty="0" err="1">
+                <a:latin typeface="Avenir Medium"/>
+              </a:rPr>
+              <a:t>Learning</a:t>
+            </a:r>
+            <a:r>
+              <a:rPr lang="ro-RO" sz="2900" dirty="0">
+                <a:latin typeface="Avenir Medium"/>
+              </a:rPr>
+              <a:t> </a:t>
+            </a:r>
+            <a:r>
+              <a:rPr lang="ro-RO" sz="2900" dirty="0" err="1">
+                <a:latin typeface="Avenir Medium"/>
+              </a:rPr>
+              <a:t>statistics</a:t>
+            </a:r>
+            <a:r>
+              <a:rPr lang="ro-RO" sz="2900" dirty="0">
+                <a:latin typeface="Avenir Medium"/>
+              </a:rPr>
+              <a:t> </a:t>
+            </a:r>
+            <a:r>
+              <a:rPr lang="ro-RO" sz="2900" dirty="0" err="1">
+                <a:latin typeface="Avenir Medium"/>
+              </a:rPr>
+              <a:t>with</a:t>
+            </a:r>
+            <a:r>
+              <a:rPr lang="ro-RO" sz="2900" dirty="0">
+                <a:latin typeface="Avenir Medium"/>
+              </a:rPr>
+              <a:t> R: A </a:t>
+            </a:r>
+            <a:r>
+              <a:rPr lang="ro-RO" sz="2900" dirty="0" err="1">
+                <a:latin typeface="Avenir Medium"/>
+              </a:rPr>
+              <a:t>tutorial</a:t>
+            </a:r>
+            <a:r>
+              <a:rPr lang="ro-RO" sz="2900" dirty="0">
+                <a:latin typeface="Avenir Medium"/>
+              </a:rPr>
+              <a:t> for </a:t>
+            </a:r>
+            <a:r>
+              <a:rPr lang="ro-RO" sz="2900" dirty="0" err="1">
+                <a:latin typeface="Avenir Medium"/>
+              </a:rPr>
+              <a:t>psychology</a:t>
+            </a:r>
+            <a:r>
+              <a:rPr lang="ro-RO" sz="2900" dirty="0">
+                <a:latin typeface="Avenir Medium"/>
+              </a:rPr>
+              <a:t> </a:t>
+            </a:r>
+            <a:r>
+              <a:rPr lang="ro-RO" sz="2900" dirty="0" err="1">
+                <a:latin typeface="Avenir Medium"/>
+              </a:rPr>
+              <a:t>students</a:t>
+            </a:r>
+            <a:r>
+              <a:rPr lang="ro-RO" sz="2900" dirty="0">
+                <a:latin typeface="Avenir Medium"/>
+              </a:rPr>
+              <a:t> </a:t>
+            </a:r>
+            <a:r>
+              <a:rPr lang="ro-RO" sz="2900" dirty="0" err="1">
+                <a:latin typeface="Avenir Medium"/>
+              </a:rPr>
+              <a:t>and</a:t>
+            </a:r>
+            <a:r>
+              <a:rPr lang="ro-RO" sz="2900" dirty="0">
+                <a:latin typeface="Avenir Medium"/>
+              </a:rPr>
+              <a:t> </a:t>
+            </a:r>
+            <a:r>
+              <a:rPr lang="ro-RO" sz="2900" dirty="0" err="1">
+                <a:latin typeface="Avenir Medium"/>
+              </a:rPr>
+              <a:t>other</a:t>
+            </a:r>
+            <a:r>
+              <a:rPr lang="ro-RO" sz="2900" dirty="0">
+                <a:latin typeface="Avenir Medium"/>
+              </a:rPr>
+              <a:t> </a:t>
+            </a:r>
+            <a:r>
+              <a:rPr lang="ro-RO" sz="2900" dirty="0" err="1">
+                <a:latin typeface="Avenir Medium"/>
+              </a:rPr>
+              <a:t>beginners</a:t>
+            </a:r>
+            <a:r>
+              <a:rPr lang="ro-RO" sz="2900" dirty="0">
+                <a:latin typeface="Avenir Medium"/>
+              </a:rPr>
+              <a:t>. (</a:t>
+            </a:r>
+            <a:r>
+              <a:rPr lang="ro-RO" sz="2900" dirty="0" err="1">
+                <a:latin typeface="Avenir Medium"/>
+              </a:rPr>
+              <a:t>Version</a:t>
+            </a:r>
+            <a:r>
+              <a:rPr lang="ro-RO" sz="2900" dirty="0">
+                <a:latin typeface="Avenir Medium"/>
+              </a:rPr>
+              <a:t> 0.6.1): </a:t>
+            </a:r>
+            <a:r>
+              <a:rPr lang="ro-RO" sz="2900" dirty="0">
+                <a:latin typeface="Avenir Medium"/>
+                <a:hlinkClick r:id="rId2"/>
+              </a:rPr>
+              <a:t>https://learningstatisticswithr-bookdown.netlify.app</a:t>
+            </a:r>
+            <a:endParaRPr lang="ro-RO" sz="2900" dirty="0">
               <a:latin typeface="Avenir Medium"/>
             </a:endParaRPr>
           </a:p>
           <a:p>
-            <a:pPr>
+            <a:pPr lvl="1">
               <a:lnSpc>
                 <a:spcPct val="110000"/>
               </a:lnSpc>
             </a:pPr>
             <a:r>
-              <a:rPr lang="ro-RO" sz="3200" dirty="0" err="1">
-                <a:latin typeface="Avenir Medium"/>
-              </a:rPr>
-              <a:t>Statistics</a:t>
-            </a:r>
-            <a:r>
-              <a:rPr lang="ro-RO" sz="3200" dirty="0">
+              <a:rPr lang="ro-RO" sz="2200" dirty="0" err="1">
+                <a:latin typeface="Avenir Medium"/>
+              </a:rPr>
+              <a:t>Chapter</a:t>
+            </a:r>
+            <a:r>
+              <a:rPr lang="ro-RO" sz="2200" dirty="0">
+                <a:latin typeface="Avenir Medium"/>
+              </a:rPr>
+              <a:t> 11 </a:t>
+            </a:r>
+            <a:r>
+              <a:rPr lang="ro-RO" sz="2200" dirty="0" err="1">
+                <a:latin typeface="Avenir Medium"/>
+              </a:rPr>
+              <a:t>Hypothesis</a:t>
+            </a:r>
+            <a:r>
+              <a:rPr lang="ro-RO" sz="2200" dirty="0">
                 <a:latin typeface="Avenir Medium"/>
               </a:rPr>
               <a:t> </a:t>
             </a:r>
             <a:r>
-              <a:rPr lang="ro-RO" sz="3200" dirty="0" err="1">
-                <a:latin typeface="Avenir Medium"/>
-              </a:rPr>
-              <a:t>How</a:t>
-            </a:r>
-            <a:r>
-              <a:rPr lang="ro-RO" sz="3200" dirty="0">
-                <a:latin typeface="Avenir Medium"/>
-              </a:rPr>
-              <a:t> </a:t>
-            </a:r>
-            <a:r>
-              <a:rPr lang="ro-RO" sz="3200" dirty="0" err="1">
-                <a:latin typeface="Avenir Medium"/>
-              </a:rPr>
-              <a:t>To</a:t>
-            </a:r>
-            <a:r>
-              <a:rPr lang="ro-RO" sz="3200" dirty="0">
-                <a:latin typeface="Avenir Medium"/>
-              </a:rPr>
-              <a:t> </a:t>
-            </a:r>
-            <a:r>
-              <a:rPr lang="ro-RO" sz="3200" dirty="0" err="1">
-                <a:latin typeface="Avenir Medium"/>
-              </a:rPr>
-              <a:t>Hypothesis</a:t>
-            </a:r>
-            <a:r>
-              <a:rPr lang="ro-RO" sz="3200" dirty="0">
-                <a:latin typeface="Avenir Medium"/>
-              </a:rPr>
-              <a:t> </a:t>
-            </a:r>
-            <a:r>
-              <a:rPr lang="ro-RO" sz="3200" dirty="0" err="1">
-                <a:latin typeface="Avenir Medium"/>
-              </a:rPr>
-              <a:t>Testing</a:t>
-            </a:r>
-            <a:endParaRPr lang="en" sz="3200" dirty="0">
+              <a:rPr lang="ro-RO" sz="2200" dirty="0" err="1">
+                <a:latin typeface="Avenir Medium"/>
+              </a:rPr>
+              <a:t>testing</a:t>
+            </a:r>
+            <a:endParaRPr lang="ro-RO" sz="2200" dirty="0">
               <a:latin typeface="Avenir Medium"/>
             </a:endParaRPr>
           </a:p>
           <a:p>
-            <a:pPr marL="82296" indent="0">
+            <a:pPr lvl="1">
               <a:lnSpc>
                 <a:spcPct val="110000"/>
               </a:lnSpc>
-              <a:buNone/>
-            </a:pPr>
-            <a:r>
-              <a:rPr lang="en-US" sz="3200" dirty="0">
-                <a:latin typeface="Avenir Medium"/>
-                <a:hlinkClick r:id="rId2"/>
-              </a:rPr>
-              <a:t>https://www.statisticshowto.datasciencecentral.com/probability-and-statistics/hypothesis-testing/</a:t>
-            </a:r>
-            <a:endParaRPr lang="en-US" sz="3200" dirty="0">
+            </a:pPr>
+            <a:r>
+              <a:rPr lang="ro-RO" sz="2200" dirty="0" err="1">
+                <a:latin typeface="Avenir Medium"/>
+              </a:rPr>
+              <a:t>Chapter</a:t>
+            </a:r>
+            <a:r>
+              <a:rPr lang="ro-RO" sz="2200" dirty="0">
+                <a:latin typeface="Avenir Medium"/>
+              </a:rPr>
+              <a:t> 12 </a:t>
+            </a:r>
+            <a:r>
+              <a:rPr lang="ro-RO" sz="2200" dirty="0" err="1">
+                <a:latin typeface="Avenir Medium"/>
+              </a:rPr>
+              <a:t>Categorical</a:t>
+            </a:r>
+            <a:r>
+              <a:rPr lang="ro-RO" sz="2200" dirty="0">
+                <a:latin typeface="Avenir Medium"/>
+              </a:rPr>
+              <a:t> data </a:t>
+            </a:r>
+            <a:r>
+              <a:rPr lang="ro-RO" sz="2200" dirty="0" err="1">
+                <a:latin typeface="Avenir Medium"/>
+              </a:rPr>
+              <a:t>analysis</a:t>
+            </a:r>
+            <a:endParaRPr lang="ro-RO" sz="2200" dirty="0">
               <a:latin typeface="Avenir Medium"/>
             </a:endParaRPr>
           </a:p>
           <a:p>
-            <a:pPr marL="82296" indent="0">
+            <a:pPr lvl="1">
               <a:lnSpc>
                 <a:spcPct val="110000"/>
               </a:lnSpc>
-              <a:buNone/>
-            </a:pPr>
-            <a:endParaRPr lang="en" sz="3200" dirty="0">
+            </a:pPr>
+            <a:r>
+              <a:rPr lang="ro-RO" sz="2200" dirty="0" err="1">
+                <a:latin typeface="Avenir Medium"/>
+              </a:rPr>
+              <a:t>Chapter</a:t>
+            </a:r>
+            <a:r>
+              <a:rPr lang="ro-RO" sz="2200" dirty="0">
+                <a:latin typeface="Avenir Medium"/>
+              </a:rPr>
+              <a:t> 13 </a:t>
+            </a:r>
+            <a:r>
+              <a:rPr lang="ro-RO" sz="2200" dirty="0" err="1">
+                <a:latin typeface="Avenir Medium"/>
+              </a:rPr>
+              <a:t>Comparing</a:t>
+            </a:r>
+            <a:r>
+              <a:rPr lang="ro-RO" sz="2200" dirty="0">
+                <a:latin typeface="Avenir Medium"/>
+              </a:rPr>
+              <a:t> </a:t>
+            </a:r>
+            <a:r>
+              <a:rPr lang="ro-RO" sz="2200" dirty="0" err="1">
+                <a:latin typeface="Avenir Medium"/>
+              </a:rPr>
+              <a:t>two</a:t>
+            </a:r>
+            <a:r>
+              <a:rPr lang="ro-RO" sz="2200" dirty="0">
+                <a:latin typeface="Avenir Medium"/>
+              </a:rPr>
+              <a:t> </a:t>
+            </a:r>
+            <a:r>
+              <a:rPr lang="ro-RO" sz="2200" dirty="0" err="1">
+                <a:latin typeface="Avenir Medium"/>
+              </a:rPr>
+              <a:t>means</a:t>
+            </a:r>
+            <a:endParaRPr lang="ro-RO" sz="2200" dirty="0">
               <a:latin typeface="Avenir Medium"/>
             </a:endParaRPr>
           </a:p>
           <a:p>
-            <a:pPr>
+            <a:pPr lvl="1">
               <a:lnSpc>
                 <a:spcPct val="110000"/>
               </a:lnSpc>
             </a:pPr>
             <a:r>
-              <a:rPr lang="ro-RO" sz="3200" dirty="0" err="1">
-                <a:latin typeface="Avenir Medium"/>
-              </a:rPr>
-              <a:t>Understanding</a:t>
-            </a:r>
-            <a:r>
-              <a:rPr lang="ro-RO" sz="3200" dirty="0">
+              <a:rPr lang="ro-RO" sz="2200" dirty="0" err="1">
+                <a:latin typeface="Avenir Medium"/>
+              </a:rPr>
+              <a:t>Chapter</a:t>
+            </a:r>
+            <a:r>
+              <a:rPr lang="ro-RO" sz="2200" dirty="0">
+                <a:latin typeface="Avenir Medium"/>
+              </a:rPr>
+              <a:t> 14 </a:t>
+            </a:r>
+            <a:r>
+              <a:rPr lang="ro-RO" sz="2200" dirty="0" err="1">
+                <a:latin typeface="Avenir Medium"/>
+              </a:rPr>
+              <a:t>Comparing</a:t>
+            </a:r>
+            <a:r>
+              <a:rPr lang="ro-RO" sz="2200" dirty="0">
                 <a:latin typeface="Avenir Medium"/>
               </a:rPr>
               <a:t> </a:t>
             </a:r>
             <a:r>
-              <a:rPr lang="ro-RO" sz="3200" dirty="0" err="1">
-                <a:latin typeface="Avenir Medium"/>
-              </a:rPr>
-              <a:t>Hypothesis</a:t>
-            </a:r>
-            <a:r>
-              <a:rPr lang="ro-RO" sz="3200" dirty="0">
+              <a:rPr lang="ro-RO" sz="2200" dirty="0" err="1">
+                <a:latin typeface="Avenir Medium"/>
+              </a:rPr>
+              <a:t>several</a:t>
+            </a:r>
+            <a:r>
+              <a:rPr lang="ro-RO" sz="2200" dirty="0">
                 <a:latin typeface="Avenir Medium"/>
               </a:rPr>
               <a:t> </a:t>
             </a:r>
             <a:r>
-              <a:rPr lang="ro-RO" sz="3200" dirty="0" err="1">
-                <a:latin typeface="Avenir Medium"/>
-              </a:rPr>
-              <a:t>Testing</a:t>
-            </a:r>
-            <a:r>
-              <a:rPr lang="ro-RO" sz="3200" dirty="0">
-                <a:latin typeface="Avenir Medium"/>
-              </a:rPr>
-              <a:t> (BOBBY LINDSEY)</a:t>
-            </a:r>
-            <a:endParaRPr lang="en-US" sz="3200" i="1" dirty="0">
+              <a:rPr lang="ro-RO" sz="2200" dirty="0" err="1">
+                <a:latin typeface="Avenir Medium"/>
+              </a:rPr>
+              <a:t>means</a:t>
+            </a:r>
+            <a:r>
+              <a:rPr lang="ro-RO" sz="2200" dirty="0">
+                <a:latin typeface="Avenir Medium"/>
+              </a:rPr>
+              <a:t> (</a:t>
+            </a:r>
+            <a:r>
+              <a:rPr lang="ro-RO" sz="2200" dirty="0" err="1">
+                <a:latin typeface="Avenir Medium"/>
+              </a:rPr>
+              <a:t>one-way</a:t>
+            </a:r>
+            <a:r>
+              <a:rPr lang="ro-RO" sz="2200" dirty="0">
+                <a:latin typeface="Avenir Medium"/>
+              </a:rPr>
+              <a:t> ANOVA)</a:t>
+            </a:r>
+          </a:p>
+          <a:p>
+            <a:pPr marL="82296" indent="0">
+              <a:lnSpc>
+                <a:spcPct val="110000"/>
+              </a:lnSpc>
+              <a:buNone/>
+            </a:pPr>
+            <a:endParaRPr lang="ro-RO" sz="1100" dirty="0">
               <a:latin typeface="Avenir Medium"/>
             </a:endParaRPr>
           </a:p>
           <a:p>
-            <a:pPr marL="82296" indent="0">
+            <a:pPr>
               <a:lnSpc>
                 <a:spcPct val="110000"/>
               </a:lnSpc>
-              <a:buNone/>
-            </a:pPr>
-            <a:r>
-              <a:rPr lang="en-US" sz="3200" dirty="0">
-                <a:latin typeface="Avenir Medium"/>
-                <a:cs typeface="Avenir Medium"/>
+            </a:pPr>
+            <a:r>
+              <a:rPr lang="en-GB" sz="2900" dirty="0">
+                <a:latin typeface="Avenir Medium"/>
+              </a:rPr>
+              <a:t>Mine </a:t>
+            </a:r>
+            <a:r>
+              <a:rPr lang="en-GB" sz="2900" dirty="0" err="1">
+                <a:latin typeface="Avenir Medium"/>
+              </a:rPr>
+              <a:t>Çetinkaya-Rundel</a:t>
+            </a:r>
+            <a:r>
+              <a:rPr lang="en-GB" sz="2900" dirty="0">
+                <a:latin typeface="Avenir Medium"/>
+              </a:rPr>
+              <a:t> and Johanna Hardin (2021-2022). Introduction to Modern Statistics (</a:t>
+            </a:r>
+            <a:r>
+              <a:rPr lang="en-GB" sz="2900" dirty="0">
+                <a:latin typeface="Avenir Medium"/>
                 <a:hlinkClick r:id="rId3"/>
               </a:rPr>
-              <a:t>https://bobbywlindsey.com/data-science/2019/02/19/hypothesis-testing/</a:t>
-            </a:r>
-            <a:endParaRPr lang="en-US" sz="3200" dirty="0">
+              <a:t>https://openintro-ims.netlify.app/index.html</a:t>
+            </a:r>
+            <a:r>
+              <a:rPr lang="en-GB" sz="2900" dirty="0">
+                <a:latin typeface="Avenir Medium"/>
+              </a:rPr>
+              <a:t>)</a:t>
+            </a:r>
+          </a:p>
+          <a:p>
+            <a:pPr lvl="1">
+              <a:lnSpc>
+                <a:spcPct val="110000"/>
+              </a:lnSpc>
+            </a:pPr>
+            <a:r>
+              <a:rPr lang="en-GB" sz="2200" dirty="0">
+                <a:latin typeface="Avenir Medium"/>
+              </a:rPr>
+              <a:t>11 Hypothesis testing with randomization</a:t>
+            </a:r>
+          </a:p>
+          <a:p>
+            <a:pPr lvl="1">
+              <a:lnSpc>
+                <a:spcPct val="110000"/>
+              </a:lnSpc>
+            </a:pPr>
+            <a:r>
+              <a:rPr lang="en-GB" sz="2200" dirty="0">
+                <a:latin typeface="Avenir Medium"/>
+              </a:rPr>
+              <a:t>12 Confidence intervals with bootstrapping</a:t>
+            </a:r>
+          </a:p>
+          <a:p>
+            <a:pPr lvl="1">
+              <a:lnSpc>
+                <a:spcPct val="110000"/>
+              </a:lnSpc>
+            </a:pPr>
+            <a:r>
+              <a:rPr lang="en-GB" sz="2200" dirty="0">
+                <a:latin typeface="Avenir Medium"/>
+              </a:rPr>
+              <a:t>13 Inference with mathematical models</a:t>
+            </a:r>
+          </a:p>
+          <a:p>
+            <a:pPr lvl="1">
+              <a:lnSpc>
+                <a:spcPct val="110000"/>
+              </a:lnSpc>
+            </a:pPr>
+            <a:r>
+              <a:rPr lang="en-GB" sz="2200" dirty="0">
+                <a:latin typeface="Avenir Medium"/>
+              </a:rPr>
+              <a:t>14 Decision Errors</a:t>
+            </a:r>
+          </a:p>
+          <a:p>
+            <a:pPr lvl="1">
+              <a:lnSpc>
+                <a:spcPct val="110000"/>
+              </a:lnSpc>
+            </a:pPr>
+            <a:r>
+              <a:rPr lang="en-GB" sz="2200" dirty="0">
+                <a:latin typeface="Avenir Medium"/>
+              </a:rPr>
+              <a:t>15 Applications: Foundations</a:t>
+            </a:r>
+          </a:p>
+          <a:p>
+            <a:pPr lvl="1">
+              <a:lnSpc>
+                <a:spcPct val="110000"/>
+              </a:lnSpc>
+            </a:pPr>
+            <a:r>
+              <a:rPr lang="en-GB" sz="2200" dirty="0">
+                <a:latin typeface="Avenir Medium"/>
+              </a:rPr>
+              <a:t>16 Inference for a single proportion</a:t>
+            </a:r>
+          </a:p>
+          <a:p>
+            <a:pPr lvl="1">
+              <a:lnSpc>
+                <a:spcPct val="110000"/>
+              </a:lnSpc>
+            </a:pPr>
+            <a:r>
+              <a:rPr lang="en-GB" sz="2200" dirty="0">
+                <a:latin typeface="Avenir Medium"/>
+              </a:rPr>
+              <a:t>17 Inference for comparing two proportions</a:t>
+            </a:r>
+          </a:p>
+          <a:p>
+            <a:pPr lvl="1">
+              <a:lnSpc>
+                <a:spcPct val="110000"/>
+              </a:lnSpc>
+            </a:pPr>
+            <a:r>
+              <a:rPr lang="en-GB" sz="2200" dirty="0">
+                <a:latin typeface="Avenir Medium"/>
+              </a:rPr>
+              <a:t>18 Inference for two-way tables</a:t>
+            </a:r>
+          </a:p>
+          <a:p>
+            <a:pPr lvl="1">
+              <a:lnSpc>
+                <a:spcPct val="110000"/>
+              </a:lnSpc>
+            </a:pPr>
+            <a:r>
+              <a:rPr lang="en-GB" sz="2200" dirty="0">
+                <a:latin typeface="Avenir Medium"/>
+              </a:rPr>
+              <a:t>19 Inference for a single mean</a:t>
+            </a:r>
+          </a:p>
+          <a:p>
+            <a:pPr lvl="1">
+              <a:lnSpc>
+                <a:spcPct val="110000"/>
+              </a:lnSpc>
+            </a:pPr>
+            <a:r>
+              <a:rPr lang="en-GB" sz="2200" dirty="0">
+                <a:latin typeface="Avenir Medium"/>
+              </a:rPr>
+              <a:t>20 Inference for comparing two independent means</a:t>
+            </a:r>
+          </a:p>
+          <a:p>
+            <a:pPr lvl="1">
+              <a:lnSpc>
+                <a:spcPct val="110000"/>
+              </a:lnSpc>
+            </a:pPr>
+            <a:r>
+              <a:rPr lang="en-GB" sz="2200" dirty="0">
+                <a:latin typeface="Avenir Medium"/>
+              </a:rPr>
+              <a:t>21 Inference for comparing paired means</a:t>
+            </a:r>
+          </a:p>
+          <a:p>
+            <a:pPr lvl="1">
+              <a:lnSpc>
+                <a:spcPct val="110000"/>
+              </a:lnSpc>
+            </a:pPr>
+            <a:r>
+              <a:rPr lang="en-GB" sz="2200" dirty="0">
+                <a:latin typeface="Avenir Medium"/>
+              </a:rPr>
+              <a:t>22 Inference for comparing many means</a:t>
+            </a:r>
+          </a:p>
+          <a:p>
+            <a:pPr lvl="1">
+              <a:lnSpc>
+                <a:spcPct val="110000"/>
+              </a:lnSpc>
+            </a:pPr>
+            <a:r>
+              <a:rPr lang="en-GB" sz="2200" dirty="0">
+                <a:latin typeface="Avenir Medium"/>
+              </a:rPr>
+              <a:t>23 Applications: Infer</a:t>
+            </a:r>
+            <a:endParaRPr lang="en-US" sz="2200" dirty="0">
               <a:latin typeface="Avenir Medium"/>
-              <a:cs typeface="Avenir Medium"/>
-            </a:endParaRPr>
-          </a:p>
-          <a:p>
-            <a:pPr marL="82296" indent="0">
-              <a:lnSpc>
-                <a:spcPct val="110000"/>
-              </a:lnSpc>
-              <a:buNone/>
-            </a:pPr>
-            <a:endParaRPr lang="en-US" sz="3200" dirty="0">
-              <a:latin typeface="Avenir Medium"/>
-              <a:cs typeface="Avenir Medium"/>
-            </a:endParaRPr>
-          </a:p>
-          <a:p>
-            <a:pPr marL="82296" indent="0">
-              <a:lnSpc>
-                <a:spcPct val="120000"/>
-              </a:lnSpc>
-              <a:buNone/>
-            </a:pPr>
-            <a:endParaRPr lang="en-US" dirty="0">
-              <a:latin typeface="Avenir Medium"/>
-              <a:cs typeface="Avenir Medium"/>
             </a:endParaRPr>
           </a:p>
         </p:txBody>
@@ -5685,7 +6082,7 @@
         </p:spPr>
         <p:txBody>
           <a:bodyPr anchor="ctr">
-            <a:normAutofit/>
+            <a:normAutofit fontScale="90000"/>
           </a:bodyPr>
           <a:lstStyle/>
           <a:p>
@@ -5696,7 +6093,7 @@
                 <a:ea typeface="Arial Unicode MS" panose="020B0604020202020204" pitchFamily="34" charset="-128"/>
                 <a:cs typeface="Arial Unicode MS" panose="020B0604020202020204" pitchFamily="34" charset="-128"/>
               </a:rPr>
-              <a:t>Other references on inferential statistics</a:t>
+              <a:t>Starting references on inferential statistics (cont.)</a:t>
             </a:r>
             <a:endParaRPr lang="en-US" sz="3600" b="1" dirty="0">
               <a:latin typeface="Arial Unicode MS" panose="020B0604020202020204" pitchFamily="34" charset="-128"/>
@@ -5725,7 +6122,7 @@
         </p:spPr>
         <p:txBody>
           <a:bodyPr>
-            <a:normAutofit fontScale="85000" lnSpcReduction="20000"/>
+            <a:normAutofit fontScale="62500" lnSpcReduction="20000"/>
           </a:bodyPr>
           <a:lstStyle>
             <a:lvl1pPr marL="365760" indent="-283464" algn="l" eaLnBrk="1" latinLnBrk="0" hangingPunct="1">
@@ -5872,52 +6269,153 @@
                 <a:spcPct val="110000"/>
               </a:lnSpc>
             </a:pPr>
+            <a:r>
+              <a:rPr lang="ro-RO" sz="3200" dirty="0">
+                <a:latin typeface="Avenir Medium"/>
+              </a:rPr>
+              <a:t>Tiffany </a:t>
+            </a:r>
+            <a:r>
+              <a:rPr lang="ro-RO" sz="3200" dirty="0" err="1">
+                <a:latin typeface="Avenir Medium"/>
+              </a:rPr>
+              <a:t>Timbers</a:t>
+            </a:r>
+            <a:r>
+              <a:rPr lang="ro-RO" sz="3200" dirty="0">
+                <a:latin typeface="Avenir Medium"/>
+              </a:rPr>
+              <a:t>, </a:t>
+            </a:r>
+            <a:r>
+              <a:rPr lang="ro-RO" sz="3200" dirty="0" err="1">
+                <a:latin typeface="Avenir Medium"/>
+              </a:rPr>
+              <a:t>Trevor</a:t>
+            </a:r>
+            <a:r>
+              <a:rPr lang="ro-RO" sz="3200" dirty="0">
+                <a:latin typeface="Avenir Medium"/>
+              </a:rPr>
+              <a:t> Campbell, </a:t>
+            </a:r>
+            <a:r>
+              <a:rPr lang="ro-RO" sz="3200" dirty="0" err="1">
+                <a:latin typeface="Avenir Medium"/>
+              </a:rPr>
+              <a:t>and</a:t>
+            </a:r>
+            <a:r>
+              <a:rPr lang="ro-RO" sz="3200" dirty="0">
+                <a:latin typeface="Avenir Medium"/>
+              </a:rPr>
+              <a:t> </a:t>
+            </a:r>
+            <a:r>
+              <a:rPr lang="ro-RO" sz="3200" dirty="0" err="1">
+                <a:latin typeface="Avenir Medium"/>
+              </a:rPr>
+              <a:t>Melissa</a:t>
+            </a:r>
+            <a:r>
+              <a:rPr lang="ro-RO" sz="3200" dirty="0">
+                <a:latin typeface="Avenir Medium"/>
+              </a:rPr>
+              <a:t> Lee (2022). </a:t>
+            </a:r>
+            <a:r>
+              <a:rPr lang="ro-RO" sz="3200" b="1" dirty="0">
+                <a:latin typeface="Avenir Medium"/>
+              </a:rPr>
+              <a:t>Data </a:t>
+            </a:r>
+            <a:r>
+              <a:rPr lang="ro-RO" sz="3200" b="1" dirty="0" err="1">
+                <a:latin typeface="Avenir Medium"/>
+              </a:rPr>
+              <a:t>Science</a:t>
+            </a:r>
+            <a:r>
+              <a:rPr lang="ro-RO" sz="3200" b="1" dirty="0">
+                <a:latin typeface="Avenir Medium"/>
+              </a:rPr>
+              <a:t>. A </a:t>
+            </a:r>
+            <a:r>
+              <a:rPr lang="ro-RO" sz="3200" b="1" dirty="0" err="1">
+                <a:latin typeface="Avenir Medium"/>
+              </a:rPr>
+              <a:t>First</a:t>
+            </a:r>
+            <a:r>
+              <a:rPr lang="ro-RO" sz="3200" b="1" dirty="0">
+                <a:latin typeface="Avenir Medium"/>
+              </a:rPr>
+              <a:t> </a:t>
+            </a:r>
+            <a:r>
+              <a:rPr lang="ro-RO" sz="3200" b="1" dirty="0" err="1">
+                <a:latin typeface="Avenir Medium"/>
+              </a:rPr>
+              <a:t>Introduction</a:t>
+            </a:r>
+            <a:r>
+              <a:rPr lang="ro-RO" sz="3200" b="1" dirty="0">
+                <a:latin typeface="Avenir Medium"/>
+              </a:rPr>
+              <a:t> </a:t>
+            </a:r>
+            <a:r>
+              <a:rPr lang="ro-RO" sz="3200" dirty="0">
+                <a:latin typeface="Avenir Medium"/>
+              </a:rPr>
+              <a:t>(</a:t>
+            </a:r>
+            <a:r>
+              <a:rPr lang="ro-RO" sz="3200" i="1" dirty="0" err="1">
+                <a:latin typeface="Avenir Medium"/>
+              </a:rPr>
+              <a:t>Chapter</a:t>
+            </a:r>
+            <a:r>
+              <a:rPr lang="ro-RO" sz="3200" i="1" dirty="0">
+                <a:latin typeface="Avenir Medium"/>
+              </a:rPr>
+              <a:t> 10 </a:t>
+            </a:r>
+            <a:r>
+              <a:rPr lang="ro-RO" sz="3200" i="1" dirty="0" err="1">
+                <a:latin typeface="Avenir Medium"/>
+              </a:rPr>
+              <a:t>Statistical</a:t>
+            </a:r>
+            <a:r>
+              <a:rPr lang="ro-RO" sz="3200" i="1" dirty="0">
+                <a:latin typeface="Avenir Medium"/>
+              </a:rPr>
+              <a:t> </a:t>
+            </a:r>
+            <a:r>
+              <a:rPr lang="ro-RO" sz="3200" i="1" dirty="0" err="1">
+                <a:latin typeface="Avenir Medium"/>
+              </a:rPr>
+              <a:t>inference</a:t>
+            </a:r>
+            <a:r>
+              <a:rPr lang="ro-RO" sz="3200" dirty="0">
+                <a:latin typeface="Avenir Medium"/>
+              </a:rPr>
+              <a:t>)</a:t>
+            </a:r>
             <a:endParaRPr lang="en" sz="3200" dirty="0">
               <a:latin typeface="Avenir Medium"/>
             </a:endParaRPr>
           </a:p>
           <a:p>
-            <a:pPr>
+            <a:pPr marL="82296" indent="0">
               <a:lnSpc>
                 <a:spcPct val="110000"/>
               </a:lnSpc>
-            </a:pPr>
-            <a:r>
-              <a:rPr lang="en" sz="3200" dirty="0">
-                <a:latin typeface="Avenir Medium"/>
-              </a:rPr>
-              <a:t>Inferential Statistics for Data Science (</a:t>
-            </a:r>
-            <a:r>
-              <a:rPr lang="ro-RO" sz="3200" dirty="0" err="1">
-                <a:latin typeface="Avenir Medium"/>
-              </a:rPr>
-              <a:t>Ankit</a:t>
-            </a:r>
-            <a:r>
-              <a:rPr lang="ro-RO" sz="3200" dirty="0">
-                <a:latin typeface="Avenir Medium"/>
-              </a:rPr>
-              <a:t> </a:t>
-            </a:r>
-            <a:r>
-              <a:rPr lang="ro-RO" sz="3200" dirty="0" err="1">
-                <a:latin typeface="Avenir Medium"/>
-              </a:rPr>
-              <a:t>Rathi</a:t>
-            </a:r>
-            <a:r>
-              <a:rPr lang="en" sz="3200" dirty="0">
-                <a:latin typeface="Avenir Medium"/>
-              </a:rPr>
-              <a:t>)</a:t>
-            </a:r>
-          </a:p>
-          <a:p>
-            <a:pPr marL="82296" indent="0">
-              <a:lnSpc>
-                <a:spcPct val="110000"/>
-              </a:lnSpc>
               <a:buNone/>
             </a:pPr>
             <a:r>
@@ -5925,13 +6423,273 @@
                 <a:latin typeface="Avenir Medium"/>
                 <a:hlinkClick r:id="rId2"/>
               </a:rPr>
-              <a:t>https://towardsdatascience.com/inferential-statistics-for-data-science-b0075670fc8a</a:t>
+              <a:t>https://datasciencebook.ca/inference.html</a:t>
             </a:r>
             <a:endParaRPr lang="en-US" sz="3200" dirty="0">
               <a:latin typeface="Avenir Medium"/>
             </a:endParaRPr>
           </a:p>
           <a:p>
+            <a:pPr>
+              <a:lnSpc>
+                <a:spcPct val="110000"/>
+              </a:lnSpc>
+            </a:pPr>
+            <a:endParaRPr lang="en-US" sz="1200" dirty="0">
+              <a:latin typeface="Avenir Medium"/>
+            </a:endParaRPr>
+          </a:p>
+          <a:p>
+            <a:pPr>
+              <a:lnSpc>
+                <a:spcPct val="110000"/>
+              </a:lnSpc>
+            </a:pPr>
+            <a:r>
+              <a:rPr lang="en-US" sz="3200" dirty="0">
+                <a:latin typeface="Avenir Medium"/>
+              </a:rPr>
+              <a:t>Darrin </a:t>
+            </a:r>
+            <a:r>
+              <a:rPr lang="en-US" sz="3200" dirty="0" err="1">
+                <a:latin typeface="Avenir Medium"/>
+              </a:rPr>
+              <a:t>Speegle</a:t>
+            </a:r>
+            <a:r>
+              <a:rPr lang="en-US" sz="3200" dirty="0">
+                <a:latin typeface="Avenir Medium"/>
+              </a:rPr>
+              <a:t> and Bryan Clair (2022). Probability, Statistics, and Data: A fresh approach using R (</a:t>
+            </a:r>
+            <a:r>
+              <a:rPr lang="en-US" sz="3200" dirty="0">
+                <a:latin typeface="Avenir Medium"/>
+                <a:hlinkClick r:id="rId3"/>
+              </a:rPr>
+              <a:t>https://mathstat.slu.edu/~speegle/_book/</a:t>
+            </a:r>
+            <a:r>
+              <a:rPr lang="en-US" sz="3200" dirty="0">
+                <a:latin typeface="Avenir Medium"/>
+              </a:rPr>
+              <a:t>)</a:t>
+            </a:r>
+          </a:p>
+          <a:p>
+            <a:pPr lvl="1">
+              <a:lnSpc>
+                <a:spcPct val="110000"/>
+              </a:lnSpc>
+            </a:pPr>
+            <a:r>
+              <a:rPr lang="en-US" sz="2800" dirty="0">
+                <a:latin typeface="Avenir Medium"/>
+              </a:rPr>
+              <a:t>Chapter 8 Inference on the Mean</a:t>
+            </a:r>
+          </a:p>
+          <a:p>
+            <a:pPr lvl="1">
+              <a:lnSpc>
+                <a:spcPct val="110000"/>
+              </a:lnSpc>
+            </a:pPr>
+            <a:r>
+              <a:rPr lang="en-US" sz="2800" dirty="0">
+                <a:latin typeface="Avenir Medium"/>
+              </a:rPr>
+              <a:t>Chapter 9 Rank Based Tests</a:t>
+            </a:r>
+          </a:p>
+          <a:p>
+            <a:pPr lvl="1">
+              <a:lnSpc>
+                <a:spcPct val="110000"/>
+              </a:lnSpc>
+            </a:pPr>
+            <a:r>
+              <a:rPr lang="en-US" sz="2800" dirty="0">
+                <a:latin typeface="Avenir Medium"/>
+              </a:rPr>
+              <a:t>Chapter 10 Tabular Data</a:t>
+            </a:r>
+          </a:p>
+          <a:p>
+            <a:pPr>
+              <a:lnSpc>
+                <a:spcPct val="110000"/>
+              </a:lnSpc>
+            </a:pPr>
+            <a:endParaRPr lang="en-US" sz="1800" dirty="0">
+              <a:latin typeface="Avenir Medium"/>
+            </a:endParaRPr>
+          </a:p>
+          <a:p>
+            <a:pPr>
+              <a:lnSpc>
+                <a:spcPct val="110000"/>
+              </a:lnSpc>
+            </a:pPr>
+            <a:r>
+              <a:rPr lang="en-US" sz="3200" dirty="0">
+                <a:latin typeface="Avenir Medium"/>
+              </a:rPr>
+              <a:t>Crump, M. J. C., Navarro, D. J., &amp; Suzuki, J. (2019-2022). Answering Questions with Data : Introductory Statistics for Psychology Students (</a:t>
+            </a:r>
+            <a:r>
+              <a:rPr lang="en-US" sz="3200" dirty="0">
+                <a:latin typeface="Avenir Medium"/>
+                <a:hlinkClick r:id="rId4"/>
+              </a:rPr>
+              <a:t>https://crumplab.com/statistics/</a:t>
+            </a:r>
+            <a:r>
+              <a:rPr lang="en-US" sz="3200" dirty="0">
+                <a:latin typeface="Avenir Medium"/>
+              </a:rPr>
+              <a:t>)</a:t>
+            </a:r>
+          </a:p>
+          <a:p>
+            <a:pPr lvl="1">
+              <a:lnSpc>
+                <a:spcPct val="110000"/>
+              </a:lnSpc>
+            </a:pPr>
+            <a:r>
+              <a:rPr lang="en-US" sz="2800" dirty="0">
+                <a:latin typeface="Avenir Medium"/>
+              </a:rPr>
+              <a:t>5  Foundations for inference</a:t>
+            </a:r>
+          </a:p>
+          <a:p>
+            <a:pPr lvl="1">
+              <a:lnSpc>
+                <a:spcPct val="110000"/>
+              </a:lnSpc>
+            </a:pPr>
+            <a:r>
+              <a:rPr lang="en-US" sz="2800" dirty="0">
+                <a:latin typeface="Avenir Medium"/>
+              </a:rPr>
+              <a:t>6  t-tests</a:t>
+            </a:r>
+          </a:p>
+          <a:p>
+            <a:pPr lvl="1">
+              <a:lnSpc>
+                <a:spcPct val="110000"/>
+              </a:lnSpc>
+            </a:pPr>
+            <a:r>
+              <a:rPr lang="en-US" sz="2800" dirty="0">
+                <a:latin typeface="Avenir Medium"/>
+              </a:rPr>
+              <a:t>7  ANOVA</a:t>
+            </a:r>
+          </a:p>
+          <a:p>
+            <a:pPr lvl="1">
+              <a:lnSpc>
+                <a:spcPct val="110000"/>
+              </a:lnSpc>
+            </a:pPr>
+            <a:r>
+              <a:rPr lang="en-US" sz="2800" dirty="0">
+                <a:latin typeface="Avenir Medium"/>
+              </a:rPr>
+              <a:t>8  Repeated Measures ANOVA </a:t>
+            </a:r>
+          </a:p>
+          <a:p>
+            <a:pPr>
+              <a:lnSpc>
+                <a:spcPct val="110000"/>
+              </a:lnSpc>
+            </a:pPr>
+            <a:endParaRPr lang="en-US" sz="3200" dirty="0">
+              <a:latin typeface="Avenir Medium"/>
+            </a:endParaRPr>
+          </a:p>
+          <a:p>
+            <a:pPr lvl="1">
+              <a:lnSpc>
+                <a:spcPct val="110000"/>
+              </a:lnSpc>
+            </a:pPr>
+            <a:endParaRPr lang="en-GB" sz="2000" dirty="0">
+              <a:latin typeface="Avenir Medium"/>
+            </a:endParaRPr>
+          </a:p>
+          <a:p>
+            <a:pPr lvl="1">
+              <a:lnSpc>
+                <a:spcPct val="110000"/>
+              </a:lnSpc>
+            </a:pPr>
+            <a:endParaRPr lang="en" sz="1100" dirty="0">
+              <a:latin typeface="Avenir Medium"/>
+            </a:endParaRPr>
+          </a:p>
+          <a:p>
+            <a:pPr marL="82296" indent="0">
+              <a:lnSpc>
+                <a:spcPct val="110000"/>
+              </a:lnSpc>
+              <a:buNone/>
+            </a:pPr>
+            <a:endParaRPr lang="en-US" sz="3200" dirty="0">
+              <a:latin typeface="Avenir Medium"/>
+            </a:endParaRPr>
+          </a:p>
+          <a:p>
+            <a:pPr marL="82296" indent="0">
+              <a:lnSpc>
+                <a:spcPct val="110000"/>
+              </a:lnSpc>
+              <a:buNone/>
+            </a:pPr>
+            <a:endParaRPr lang="en-US" sz="3200" dirty="0">
+              <a:latin typeface="Avenir Medium"/>
+            </a:endParaRPr>
+          </a:p>
+          <a:p>
+            <a:pPr marL="82296" indent="0">
+              <a:lnSpc>
+                <a:spcPct val="110000"/>
+              </a:lnSpc>
+              <a:buNone/>
+            </a:pPr>
+            <a:endParaRPr lang="en-US" sz="3200" dirty="0">
+              <a:latin typeface="Avenir Medium"/>
+            </a:endParaRPr>
+          </a:p>
+          <a:p>
+            <a:pPr marL="82296" indent="0">
+              <a:lnSpc>
+                <a:spcPct val="110000"/>
+              </a:lnSpc>
+              <a:buNone/>
+            </a:pPr>
+            <a:endParaRPr lang="en-US" sz="3200" dirty="0">
+              <a:latin typeface="Avenir Medium"/>
+            </a:endParaRPr>
+          </a:p>
+          <a:p>
+            <a:pPr marL="82296" indent="0">
+              <a:lnSpc>
+                <a:spcPct val="110000"/>
+              </a:lnSpc>
+              <a:buNone/>
+            </a:pPr>
+            <a:endParaRPr lang="en-US" sz="3200" dirty="0">
+              <a:latin typeface="Avenir Medium"/>
+            </a:endParaRPr>
+          </a:p>
+          <a:p>
             <a:pPr marL="82296" indent="0">
               <a:lnSpc>
                 <a:spcPct val="110000"/>
@@ -5948,52 +6706,6 @@
                 <a:spcPct val="110000"/>
               </a:lnSpc>
             </a:pPr>
-            <a:r>
-              <a:rPr lang="en" sz="3200" dirty="0">
-                <a:latin typeface="Avenir Medium"/>
-              </a:rPr>
-              <a:t>Chester </a:t>
-            </a:r>
-            <a:r>
-              <a:rPr lang="en" sz="3200" dirty="0" err="1">
-                <a:latin typeface="Avenir Medium"/>
-              </a:rPr>
-              <a:t>Ismay</a:t>
-            </a:r>
-            <a:r>
-              <a:rPr lang="en" sz="3200" dirty="0">
-                <a:latin typeface="Avenir Medium"/>
-              </a:rPr>
-              <a:t> and Albert Y. Kim - An Introduction to Statistical and Data Sciences via R (2018)</a:t>
-            </a:r>
-            <a:r>
-              <a:rPr lang="en-US" sz="3200" dirty="0">
-                <a:latin typeface="Avenir Medium"/>
-              </a:rPr>
-              <a:t> – section </a:t>
-            </a:r>
-            <a:r>
-              <a:rPr lang="en-US" sz="3200" i="1" dirty="0">
-                <a:latin typeface="Avenir Medium"/>
-              </a:rPr>
-              <a:t>III Inference via infer</a:t>
-            </a:r>
-          </a:p>
-          <a:p>
-            <a:pPr marL="82296" indent="0">
-              <a:lnSpc>
-                <a:spcPct val="110000"/>
-              </a:lnSpc>
-              <a:buNone/>
-            </a:pPr>
-            <a:r>
-              <a:rPr lang="en-US" sz="3200" dirty="0">
-                <a:latin typeface="Avenir Medium"/>
-                <a:cs typeface="Avenir Medium"/>
-                <a:hlinkClick r:id="rId3"/>
-              </a:rPr>
-              <a:t>https://moderndive.com/8-sampling.html</a:t>
-            </a:r>
             <a:endParaRPr lang="en-US" sz="3200" dirty="0">
               <a:latin typeface="Avenir Medium"/>
               <a:cs typeface="Avenir Medium"/>
@@ -6002,35 +6714,11 @@
           <a:p>
             <a:pPr marL="82296" indent="0">
               <a:lnSpc>
-                <a:spcPct val="120000"/>
+                <a:spcPct val="110000"/>
               </a:lnSpc>
               <a:buNone/>
             </a:pPr>
-            <a:endParaRPr lang="en-US" dirty="0">
-              <a:latin typeface="Avenir Medium"/>
-            </a:endParaRPr>
-          </a:p>
-          <a:p>
-            <a:pPr>
-              <a:lnSpc>
-                <a:spcPct val="120000"/>
-              </a:lnSpc>
-            </a:pPr>
-            <a:r>
-              <a:rPr lang="en-US" dirty="0">
-                <a:latin typeface="Avenir Medium"/>
-              </a:rPr>
-              <a:t>Introduction to statistical thinking </a:t>
-            </a:r>
-            <a:r>
-              <a:rPr lang="en-US" dirty="0">
-                <a:latin typeface="Avenir Medium"/>
-                <a:cs typeface="Avenir Medium"/>
-                <a:hlinkClick r:id="rId4"/>
-              </a:rPr>
-              <a:t>https://francojc.github.io/2017/09/15/introduction-to-statistical-thinking/</a:t>
-            </a:r>
-            <a:endParaRPr lang="en-US" dirty="0">
+            <a:endParaRPr lang="en-US" sz="3200" dirty="0">
               <a:latin typeface="Avenir Medium"/>
               <a:cs typeface="Avenir Medium"/>
             </a:endParaRPr>
@@ -6038,11 +6726,11 @@
           <a:p>
             <a:pPr marL="82296" indent="0">
               <a:lnSpc>
-                <a:spcPct val="120000"/>
+                <a:spcPct val="110000"/>
               </a:lnSpc>
               <a:buNone/>
             </a:pPr>
-            <a:endParaRPr lang="en-US" dirty="0">
+            <a:endParaRPr lang="en-US" sz="3200" dirty="0">
               <a:latin typeface="Avenir Medium"/>
               <a:cs typeface="Avenir Medium"/>
             </a:endParaRPr>
@@ -6052,7 +6740,7 @@
     </p:spTree>
     <p:extLst>
       <p:ext uri="{BB962C8B-B14F-4D97-AF65-F5344CB8AC3E}">
-        <p14:creationId xmlns:p14="http://schemas.microsoft.com/office/powerpoint/2010/main" val="2416480226"/>
+        <p14:creationId xmlns:p14="http://schemas.microsoft.com/office/powerpoint/2010/main" val="1005364451"/>
       </p:ext>
     </p:extLst>
   </p:cSld>
@@ -6111,7 +6799,7 @@
                 <a:ea typeface="Arial Unicode MS" panose="020B0604020202020204" pitchFamily="34" charset="-128"/>
                 <a:cs typeface="Arial Unicode MS" panose="020B0604020202020204" pitchFamily="34" charset="-128"/>
               </a:rPr>
-              <a:t>References on inferential statistics in R</a:t>
+              <a:t>Other references on inferential statistics</a:t>
             </a:r>
             <a:endParaRPr lang="en-US" sz="3600" b="1" dirty="0">
               <a:latin typeface="Arial Unicode MS" panose="020B0604020202020204" pitchFamily="34" charset="-128"/>
@@ -6131,8 +6819,8 @@
         </p:nvSpPr>
         <p:spPr>
           <a:xfrm>
-            <a:off x="381000" y="1066800"/>
-            <a:ext cx="8686800" cy="5791200"/>
+            <a:off x="685800" y="990600"/>
+            <a:ext cx="8382000" cy="5867400"/>
           </a:xfrm>
           <a:prstGeom prst="rect">
             <a:avLst/>
@@ -6140,7 +6828,7 @@
         </p:spPr>
         <p:txBody>
           <a:bodyPr>
-            <a:normAutofit fontScale="62500" lnSpcReduction="20000"/>
+            <a:normAutofit fontScale="55000" lnSpcReduction="20000"/>
           </a:bodyPr>
           <a:lstStyle>
             <a:lvl1pPr marL="365760" indent="-283464" algn="l" eaLnBrk="1" latinLnBrk="0" hangingPunct="1">
@@ -6288,6 +6976,573 @@
               </a:lnSpc>
             </a:pPr>
             <a:r>
+              <a:rPr lang="en-GB" sz="3200" dirty="0" err="1">
+                <a:latin typeface="Avenir Medium"/>
+              </a:rPr>
+              <a:t>Stéphanie</a:t>
+            </a:r>
+            <a:r>
+              <a:rPr lang="en-GB" sz="3200" dirty="0">
+                <a:latin typeface="Avenir Medium"/>
+              </a:rPr>
+              <a:t> M. van den Berg (2022). Analysing Data using Linear Models (</a:t>
+            </a:r>
+            <a:r>
+              <a:rPr lang="en-GB" sz="3200" dirty="0">
+                <a:latin typeface="Avenir Medium"/>
+                <a:hlinkClick r:id="rId2"/>
+              </a:rPr>
+              <a:t>https://bookdown.org/pingapang9/linear_models_bookdown/</a:t>
+            </a:r>
+            <a:r>
+              <a:rPr lang="en-GB" sz="3200" dirty="0">
+                <a:latin typeface="Avenir Medium"/>
+              </a:rPr>
+              <a:t>)</a:t>
+            </a:r>
+          </a:p>
+          <a:p>
+            <a:pPr lvl="1">
+              <a:lnSpc>
+                <a:spcPct val="110000"/>
+              </a:lnSpc>
+            </a:pPr>
+            <a:r>
+              <a:rPr lang="en-GB" sz="2800" dirty="0">
+                <a:latin typeface="Avenir Medium"/>
+              </a:rPr>
+              <a:t>Chapter 2 Inference about a mean</a:t>
+            </a:r>
+          </a:p>
+          <a:p>
+            <a:pPr lvl="1">
+              <a:lnSpc>
+                <a:spcPct val="110000"/>
+              </a:lnSpc>
+            </a:pPr>
+            <a:r>
+              <a:rPr lang="en-GB" sz="2800" dirty="0">
+                <a:latin typeface="Avenir Medium"/>
+              </a:rPr>
+              <a:t>Chapter 3 Inference about a proportion</a:t>
+            </a:r>
+            <a:endParaRPr lang="en" sz="2800" dirty="0">
+              <a:latin typeface="Avenir Medium"/>
+            </a:endParaRPr>
+          </a:p>
+          <a:p>
+            <a:pPr>
+              <a:lnSpc>
+                <a:spcPct val="110000"/>
+              </a:lnSpc>
+            </a:pPr>
+            <a:endParaRPr lang="en" sz="2800" dirty="0">
+              <a:latin typeface="Avenir Medium"/>
+            </a:endParaRPr>
+          </a:p>
+          <a:p>
+            <a:pPr>
+              <a:lnSpc>
+                <a:spcPct val="110000"/>
+              </a:lnSpc>
+            </a:pPr>
+            <a:r>
+              <a:rPr lang="en" sz="2800" dirty="0">
+                <a:latin typeface="Avenir Medium"/>
+              </a:rPr>
+              <a:t>Chester </a:t>
+            </a:r>
+            <a:r>
+              <a:rPr lang="en" sz="2800" dirty="0" err="1">
+                <a:latin typeface="Avenir Medium"/>
+              </a:rPr>
+              <a:t>Ismay</a:t>
+            </a:r>
+            <a:r>
+              <a:rPr lang="en" sz="2800" dirty="0">
+                <a:latin typeface="Avenir Medium"/>
+              </a:rPr>
+              <a:t> and Albert Y. Kim (2022). </a:t>
+            </a:r>
+            <a:r>
+              <a:rPr lang="en-GB" sz="2800" dirty="0">
+                <a:latin typeface="Avenir Medium"/>
+              </a:rPr>
+              <a:t>Statistical Inference via Data Science. A </a:t>
+            </a:r>
+            <a:r>
+              <a:rPr lang="en-GB" sz="2800" dirty="0" err="1">
+                <a:latin typeface="Avenir Medium"/>
+              </a:rPr>
+              <a:t>ModernDive</a:t>
+            </a:r>
+            <a:r>
+              <a:rPr lang="en-GB" sz="2800" dirty="0">
+                <a:latin typeface="Avenir Medium"/>
+              </a:rPr>
+              <a:t> into R and the </a:t>
+            </a:r>
+            <a:r>
+              <a:rPr lang="en-GB" sz="2800" dirty="0" err="1">
+                <a:latin typeface="Avenir Medium"/>
+              </a:rPr>
+              <a:t>Tidyverse</a:t>
+            </a:r>
+            <a:r>
+              <a:rPr lang="en-GB" sz="2800" dirty="0">
+                <a:latin typeface="Avenir Medium"/>
+              </a:rPr>
+              <a:t> (</a:t>
+            </a:r>
+            <a:r>
+              <a:rPr lang="en-GB" sz="2800" dirty="0">
+                <a:latin typeface="Avenir Medium"/>
+                <a:hlinkClick r:id="rId3"/>
+              </a:rPr>
+              <a:t>https://moderndive.com/index.html</a:t>
+            </a:r>
+            <a:r>
+              <a:rPr lang="en-GB" sz="2800" dirty="0">
+                <a:latin typeface="Avenir Medium"/>
+              </a:rPr>
+              <a:t>)</a:t>
+            </a:r>
+          </a:p>
+          <a:p>
+            <a:pPr lvl="1">
+              <a:lnSpc>
+                <a:spcPct val="110000"/>
+              </a:lnSpc>
+            </a:pPr>
+            <a:r>
+              <a:rPr lang="en-US" sz="2400" dirty="0">
+                <a:latin typeface="Avenir Medium"/>
+              </a:rPr>
+              <a:t>Chapter 9 Hypothesis Testing</a:t>
+            </a:r>
+          </a:p>
+          <a:p>
+            <a:pPr lvl="1">
+              <a:lnSpc>
+                <a:spcPct val="110000"/>
+              </a:lnSpc>
+            </a:pPr>
+            <a:r>
+              <a:rPr lang="en-US" sz="2400" dirty="0">
+                <a:latin typeface="Avenir Medium"/>
+              </a:rPr>
+              <a:t>B Inference Examples</a:t>
+            </a:r>
+          </a:p>
+          <a:p>
+            <a:pPr>
+              <a:lnSpc>
+                <a:spcPct val="110000"/>
+              </a:lnSpc>
+            </a:pPr>
+            <a:endParaRPr lang="en-GB" sz="3200" dirty="0">
+              <a:latin typeface="Avenir Medium"/>
+            </a:endParaRPr>
+          </a:p>
+          <a:p>
+            <a:pPr>
+              <a:lnSpc>
+                <a:spcPct val="110000"/>
+              </a:lnSpc>
+            </a:pPr>
+            <a:r>
+              <a:rPr lang="en-GB" sz="3200" dirty="0">
+                <a:latin typeface="Avenir Medium"/>
+              </a:rPr>
+              <a:t>Samuel </a:t>
+            </a:r>
+            <a:r>
+              <a:rPr lang="en-GB" sz="3200" dirty="0" err="1">
+                <a:latin typeface="Avenir Medium"/>
+              </a:rPr>
+              <a:t>Franssens</a:t>
+            </a:r>
+            <a:r>
+              <a:rPr lang="en-GB" sz="3200" dirty="0">
+                <a:latin typeface="Avenir Medium"/>
+              </a:rPr>
+              <a:t> (2020-2022). R for marketing students (</a:t>
+            </a:r>
+            <a:r>
+              <a:rPr lang="en-GB" sz="3200" dirty="0">
+                <a:latin typeface="Avenir Medium"/>
+                <a:hlinkClick r:id="rId4"/>
+              </a:rPr>
+              <a:t>https://bookdown.org/content/1340/</a:t>
+            </a:r>
+            <a:r>
+              <a:rPr lang="en-GB" sz="3200" dirty="0">
+                <a:latin typeface="Avenir Medium"/>
+              </a:rPr>
+              <a:t>)</a:t>
+            </a:r>
+          </a:p>
+          <a:p>
+            <a:pPr lvl="1">
+              <a:lnSpc>
+                <a:spcPct val="110000"/>
+              </a:lnSpc>
+            </a:pPr>
+            <a:r>
+              <a:rPr lang="en-GB" sz="2800" dirty="0">
+                <a:latin typeface="Avenir Medium"/>
+              </a:rPr>
+              <a:t>3 Basic data analysis: </a:t>
+            </a:r>
+            <a:r>
+              <a:rPr lang="en-GB" sz="2800" dirty="0" err="1">
+                <a:latin typeface="Avenir Medium"/>
+              </a:rPr>
+              <a:t>analyzing</a:t>
+            </a:r>
+            <a:r>
+              <a:rPr lang="en-GB" sz="2800" dirty="0">
+                <a:latin typeface="Avenir Medium"/>
+              </a:rPr>
+              <a:t> secondary data</a:t>
+            </a:r>
+          </a:p>
+          <a:p>
+            <a:pPr lvl="1">
+              <a:lnSpc>
+                <a:spcPct val="110000"/>
+              </a:lnSpc>
+            </a:pPr>
+            <a:r>
+              <a:rPr lang="en-GB" sz="2800" dirty="0">
+                <a:latin typeface="Avenir Medium"/>
+              </a:rPr>
+              <a:t>4 Basic data analysis: experiments</a:t>
+            </a:r>
+          </a:p>
+          <a:p>
+            <a:pPr>
+              <a:lnSpc>
+                <a:spcPct val="110000"/>
+              </a:lnSpc>
+            </a:pPr>
+            <a:endParaRPr lang="en-GB" sz="3200" dirty="0">
+              <a:latin typeface="Avenir Medium"/>
+            </a:endParaRPr>
+          </a:p>
+          <a:p>
+            <a:pPr>
+              <a:lnSpc>
+                <a:spcPct val="110000"/>
+              </a:lnSpc>
+            </a:pPr>
+            <a:r>
+              <a:rPr lang="en-US" sz="3300" dirty="0">
+                <a:latin typeface="Avenir Medium"/>
+              </a:rPr>
+              <a:t>Eric van Holm (2021). Introduction to Research Methods (</a:t>
+            </a:r>
+            <a:r>
+              <a:rPr lang="en-US" sz="3300" dirty="0">
+                <a:latin typeface="Avenir Medium"/>
+                <a:hlinkClick r:id="rId5"/>
+              </a:rPr>
+              <a:t>https://bookdown.org/ejvanholm/Textbook/</a:t>
+            </a:r>
+            <a:r>
+              <a:rPr lang="en-US" sz="3300" dirty="0">
+                <a:latin typeface="Avenir Medium"/>
+              </a:rPr>
+              <a:t>)</a:t>
+            </a:r>
+          </a:p>
+          <a:p>
+            <a:pPr lvl="1">
+              <a:lnSpc>
+                <a:spcPct val="110000"/>
+              </a:lnSpc>
+            </a:pPr>
+            <a:r>
+              <a:rPr lang="en-US" sz="2900" dirty="0">
+                <a:latin typeface="Avenir Medium"/>
+              </a:rPr>
+              <a:t>This book covers the design and analysis of surveys</a:t>
+            </a:r>
+          </a:p>
+          <a:p>
+            <a:pPr lvl="1">
+              <a:lnSpc>
+                <a:spcPct val="110000"/>
+              </a:lnSpc>
+            </a:pPr>
+            <a:endParaRPr lang="en-US" sz="2900" dirty="0">
+              <a:latin typeface="Avenir Medium"/>
+            </a:endParaRPr>
+          </a:p>
+          <a:p>
+            <a:pPr>
+              <a:lnSpc>
+                <a:spcPct val="120000"/>
+              </a:lnSpc>
+            </a:pPr>
+            <a:endParaRPr lang="en-US" dirty="0">
+              <a:latin typeface="Avenir Medium"/>
+              <a:cs typeface="Avenir Medium"/>
+            </a:endParaRPr>
+          </a:p>
+          <a:p>
+            <a:pPr marL="82296" indent="0">
+              <a:lnSpc>
+                <a:spcPct val="120000"/>
+              </a:lnSpc>
+              <a:buNone/>
+            </a:pPr>
+            <a:endParaRPr lang="en-US" dirty="0">
+              <a:latin typeface="Avenir Medium"/>
+              <a:cs typeface="Avenir Medium"/>
+            </a:endParaRPr>
+          </a:p>
+        </p:txBody>
+      </p:sp>
+    </p:spTree>
+    <p:extLst>
+      <p:ext uri="{BB962C8B-B14F-4D97-AF65-F5344CB8AC3E}">
+        <p14:creationId xmlns:p14="http://schemas.microsoft.com/office/powerpoint/2010/main" val="2416480226"/>
+      </p:ext>
+    </p:extLst>
+  </p:cSld>
+  <p:clrMapOvr>
+    <a:masterClrMapping/>
+  </p:clrMapOvr>
+  <p:transition>
+    <p:random/>
+  </p:transition>
+</p:sld>
+</file>
+
+<file path=ppt/slides/slide6.xml><?xml version="1.0" encoding="utf-8"?>
+<p:sld xmlns:a="http://schemas.openxmlformats.org/drawingml/2006/main" xmlns:r="http://schemas.openxmlformats.org/officeDocument/2006/relationships" xmlns:p="http://schemas.openxmlformats.org/presentationml/2006/main">
+  <p:cSld>
+    <p:spTree>
+      <p:nvGrpSpPr>
+        <p:cNvPr id="1" name=""/>
+        <p:cNvGrpSpPr/>
+        <p:nvPr/>
+      </p:nvGrpSpPr>
+      <p:grpSpPr>
+        <a:xfrm>
+          <a:off x="0" y="0"/>
+          <a:ext cx="0" cy="0"/>
+          <a:chOff x="0" y="0"/>
+          <a:chExt cx="0" cy="0"/>
+        </a:xfrm>
+      </p:grpSpPr>
+      <p:sp>
+        <p:nvSpPr>
+          <p:cNvPr id="2" name="Title 1"/>
+          <p:cNvSpPr>
+            <a:spLocks noGrp="1"/>
+          </p:cNvSpPr>
+          <p:nvPr>
+            <p:ph type="title"/>
+          </p:nvPr>
+        </p:nvSpPr>
+        <p:spPr>
+          <a:xfrm>
+            <a:off x="0" y="76200"/>
+            <a:ext cx="9144000" cy="1143000"/>
+          </a:xfrm>
+        </p:spPr>
+        <p:txBody>
+          <a:bodyPr anchor="ctr">
+            <a:normAutofit/>
+          </a:bodyPr>
+          <a:lstStyle/>
+          <a:p>
+            <a:pPr algn="ctr"/>
+            <a:r>
+              <a:rPr lang="en-US" dirty="0">
+                <a:latin typeface="Arial Unicode MS" panose="020B0604020202020204" pitchFamily="34" charset="-128"/>
+                <a:ea typeface="Arial Unicode MS" panose="020B0604020202020204" pitchFamily="34" charset="-128"/>
+                <a:cs typeface="Arial Unicode MS" panose="020B0604020202020204" pitchFamily="34" charset="-128"/>
+              </a:rPr>
+              <a:t>References on inferential statistics in R</a:t>
+            </a:r>
+            <a:endParaRPr lang="en-US" sz="3600" b="1" dirty="0">
+              <a:latin typeface="Arial Unicode MS" panose="020B0604020202020204" pitchFamily="34" charset="-128"/>
+              <a:ea typeface="Arial Unicode MS" panose="020B0604020202020204" pitchFamily="34" charset="-128"/>
+              <a:cs typeface="Arial Unicode MS" panose="020B0604020202020204" pitchFamily="34" charset="-128"/>
+            </a:endParaRPr>
+          </a:p>
+        </p:txBody>
+      </p:sp>
+      <p:sp>
+        <p:nvSpPr>
+          <p:cNvPr id="7" name="Text Placeholder 2"/>
+          <p:cNvSpPr txBox="1">
+            <a:spLocks/>
+          </p:cNvSpPr>
+          <p:nvPr/>
+        </p:nvSpPr>
+        <p:spPr>
+          <a:xfrm>
+            <a:off x="381000" y="1066800"/>
+            <a:ext cx="8686800" cy="5791200"/>
+          </a:xfrm>
+          <a:prstGeom prst="rect">
+            <a:avLst/>
+          </a:prstGeom>
+        </p:spPr>
+        <p:txBody>
+          <a:bodyPr>
+            <a:normAutofit fontScale="55000" lnSpcReduction="20000"/>
+          </a:bodyPr>
+          <a:lstStyle>
+            <a:lvl1pPr marL="365760" indent="-283464" algn="l" eaLnBrk="1" latinLnBrk="0" hangingPunct="1">
+              <a:lnSpc>
+                <a:spcPct val="100000"/>
+              </a:lnSpc>
+              <a:spcBef>
+                <a:spcPts val="600"/>
+              </a:spcBef>
+              <a:buClr>
+                <a:schemeClr val="accent1"/>
+              </a:buClr>
+              <a:buSzPct val="80000"/>
+              <a:buFont typeface="Wingdings 2"/>
+              <a:buChar char=""/>
+              <a:defRPr kumimoji="0" sz="3000">
+                <a:latin typeface="+mn-lt"/>
+              </a:defRPr>
+            </a:lvl1pPr>
+            <a:lvl2pPr marL="640080" lvl="1" indent="-237744" algn="l" eaLnBrk="1" latinLnBrk="0" hangingPunct="1">
+              <a:lnSpc>
+                <a:spcPct val="100000"/>
+              </a:lnSpc>
+              <a:spcBef>
+                <a:spcPts val="550"/>
+              </a:spcBef>
+              <a:buClr>
+                <a:schemeClr val="accent1"/>
+              </a:buClr>
+              <a:buFont typeface="Verdana"/>
+              <a:buChar char="◦"/>
+              <a:defRPr kumimoji="0" sz="2600">
+                <a:latin typeface="+mn-lt"/>
+              </a:defRPr>
+            </a:lvl2pPr>
+            <a:lvl3pPr marL="886968" indent="-228600" algn="l" eaLnBrk="1" latinLnBrk="0" hangingPunct="1">
+              <a:lnSpc>
+                <a:spcPct val="100000"/>
+              </a:lnSpc>
+              <a:buClr>
+                <a:schemeClr val="accent2"/>
+              </a:buClr>
+              <a:buFont typeface="Wingdings 2"/>
+              <a:buChar char=""/>
+              <a:defRPr kumimoji="0" sz="2400">
+                <a:latin typeface="+mn-lt"/>
+              </a:defRPr>
+            </a:lvl3pPr>
+            <a:lvl4pPr marL="1097280" indent="-173736" algn="l" eaLnBrk="1" latinLnBrk="0" hangingPunct="1">
+              <a:lnSpc>
+                <a:spcPct val="100000"/>
+              </a:lnSpc>
+              <a:buClr>
+                <a:schemeClr val="accent3"/>
+              </a:buClr>
+              <a:buFont typeface="Wingdings 2"/>
+              <a:buChar char=""/>
+              <a:defRPr kumimoji="0" sz="2000">
+                <a:latin typeface="+mn-lt"/>
+              </a:defRPr>
+            </a:lvl4pPr>
+            <a:lvl5pPr marL="1298448" indent="-182880" algn="l" eaLnBrk="1" latinLnBrk="0" hangingPunct="1">
+              <a:lnSpc>
+                <a:spcPct val="100000"/>
+              </a:lnSpc>
+              <a:buClr>
+                <a:schemeClr val="accent4"/>
+              </a:buClr>
+              <a:buFont typeface="Wingdings 2"/>
+              <a:buChar char=""/>
+              <a:defRPr kumimoji="0" sz="2000">
+                <a:latin typeface="+mn-lt"/>
+              </a:defRPr>
+            </a:lvl5pPr>
+            <a:lvl6pPr marL="1508760" indent="-182880">
+              <a:lnSpc>
+                <a:spcPct val="100000"/>
+              </a:lnSpc>
+              <a:spcBef>
+                <a:spcPct val="20000"/>
+              </a:spcBef>
+              <a:buClr>
+                <a:schemeClr val="accent5"/>
+              </a:buClr>
+              <a:buFont typeface="Wingdings 2"/>
+              <a:buChar char=""/>
+              <a:defRPr kumimoji="0" sz="2000">
+                <a:latin typeface="+mn-lt"/>
+              </a:defRPr>
+            </a:lvl6pPr>
+            <a:lvl7pPr marL="1719072" indent="-182880">
+              <a:lnSpc>
+                <a:spcPct val="100000"/>
+              </a:lnSpc>
+              <a:spcBef>
+                <a:spcPct val="20000"/>
+              </a:spcBef>
+              <a:buClr>
+                <a:schemeClr val="accent6"/>
+              </a:buClr>
+              <a:buFont typeface="Wingdings 2"/>
+              <a:buChar char=""/>
+              <a:defRPr kumimoji="0" sz="2000">
+                <a:latin typeface="+mn-lt"/>
+              </a:defRPr>
+            </a:lvl7pPr>
+            <a:lvl8pPr marL="1920240" indent="-182880">
+              <a:lnSpc>
+                <a:spcPct val="100000"/>
+              </a:lnSpc>
+              <a:spcBef>
+                <a:spcPct val="20000"/>
+              </a:spcBef>
+              <a:buClr>
+                <a:schemeClr val="accent6"/>
+              </a:buClr>
+              <a:buFont typeface="Wingdings 2"/>
+              <a:buChar char=""/>
+              <a:defRPr kumimoji="0" sz="2000">
+                <a:latin typeface="+mn-lt"/>
+              </a:defRPr>
+            </a:lvl8pPr>
+            <a:lvl9pPr marL="2130552" indent="-182880">
+              <a:lnSpc>
+                <a:spcPct val="100000"/>
+              </a:lnSpc>
+              <a:spcBef>
+                <a:spcPct val="20000"/>
+              </a:spcBef>
+              <a:buClr>
+                <a:schemeClr val="accent6"/>
+              </a:buClr>
+              <a:buFont typeface="Wingdings 2"/>
+              <a:buChar char=""/>
+              <a:defRPr kumimoji="0" sz="2000">
+                <a:latin typeface="+mn-lt"/>
+              </a:defRPr>
+            </a:lvl9pPr>
+            <a:extLst/>
+          </a:lstStyle>
+          <a:p>
+            <a:pPr>
+              <a:lnSpc>
+                <a:spcPct val="110000"/>
+              </a:lnSpc>
+            </a:pPr>
+            <a:r>
               <a:rPr lang="ro-RO" sz="3200" dirty="0" err="1">
                 <a:latin typeface="Avenir Medium"/>
               </a:rPr>
@@ -6531,10 +7786,11 @@
             </a:endParaRPr>
           </a:p>
           <a:p>
-            <a:pPr>
+            <a:pPr marL="82296" indent="0">
               <a:lnSpc>
                 <a:spcPct val="110000"/>
               </a:lnSpc>
+              <a:buNone/>
             </a:pPr>
             <a:endParaRPr lang="en-US" sz="3200" dirty="0">
               <a:latin typeface="Avenir Medium"/>
@@ -6546,7 +7802,40 @@
                 <a:spcPct val="110000"/>
               </a:lnSpc>
             </a:pPr>
-            <a:endParaRPr lang="en" sz="3200" dirty="0">
+            <a:r>
+              <a:rPr lang="en-US" sz="3200" dirty="0">
+                <a:latin typeface="Avenir Medium"/>
+              </a:rPr>
+              <a:t>Patil, I. (2021). Visualizations with statistical details: The '</a:t>
+            </a:r>
+            <a:r>
+              <a:rPr lang="en-US" sz="3200" dirty="0" err="1">
+                <a:latin typeface="Avenir Medium"/>
+              </a:rPr>
+              <a:t>ggstatsplot</a:t>
+            </a:r>
+            <a:r>
+              <a:rPr lang="en-US" sz="3200" dirty="0">
+                <a:latin typeface="Avenir Medium"/>
+              </a:rPr>
+              <a:t>' approach. Journal of Open Source Software, 6(61), 3167,</a:t>
+            </a:r>
+          </a:p>
+          <a:p>
+            <a:pPr marL="82296" indent="0">
+              <a:lnSpc>
+                <a:spcPct val="110000"/>
+              </a:lnSpc>
+              <a:buNone/>
+            </a:pPr>
+            <a:r>
+              <a:rPr lang="en-US" sz="3200" dirty="0">
+                <a:latin typeface="Avenir Medium"/>
+                <a:hlinkClick r:id="rId8"/>
+              </a:rPr>
+              <a:t>https://indrajeetpatil.github.io/ggstatsplot/</a:t>
+            </a:r>
+            <a:endParaRPr lang="en-US" sz="3200" dirty="0">
               <a:latin typeface="Avenir Medium"/>
             </a:endParaRPr>
           </a:p>
